--- a/docs/Course Policy.pptx
+++ b/docs/Course Policy.pptx
@@ -5,19 +5,21 @@
     <p:sldMasterId id="2147483648" r:id="rId1"/>
   </p:sldMasterIdLst>
   <p:notesMasterIdLst>
-    <p:notesMasterId r:id="rId12"/>
+    <p:notesMasterId r:id="rId14"/>
   </p:notesMasterIdLst>
   <p:sldIdLst>
     <p:sldId id="256" r:id="rId2"/>
     <p:sldId id="257" r:id="rId3"/>
-    <p:sldId id="258" r:id="rId4"/>
-    <p:sldId id="259" r:id="rId5"/>
-    <p:sldId id="265" r:id="rId6"/>
-    <p:sldId id="261" r:id="rId7"/>
-    <p:sldId id="262" r:id="rId8"/>
+    <p:sldId id="269" r:id="rId4"/>
+    <p:sldId id="258" r:id="rId5"/>
+    <p:sldId id="259" r:id="rId6"/>
+    <p:sldId id="266" r:id="rId7"/>
+    <p:sldId id="267" r:id="rId8"/>
     <p:sldId id="260" r:id="rId9"/>
-    <p:sldId id="263" r:id="rId10"/>
-    <p:sldId id="264" r:id="rId11"/>
+    <p:sldId id="271" r:id="rId10"/>
+    <p:sldId id="270" r:id="rId11"/>
+    <p:sldId id="272" r:id="rId12"/>
+    <p:sldId id="264" r:id="rId13"/>
   </p:sldIdLst>
   <p:sldSz cx="9144000" cy="6858000" type="screen4x3"/>
   <p:notesSz cx="6858000" cy="9144000"/>
@@ -123,13 +125,15 @@
           <p14:sldIdLst>
             <p14:sldId id="256"/>
             <p14:sldId id="257"/>
+            <p14:sldId id="269"/>
             <p14:sldId id="258"/>
             <p14:sldId id="259"/>
-            <p14:sldId id="265"/>
-            <p14:sldId id="261"/>
-            <p14:sldId id="262"/>
+            <p14:sldId id="266"/>
+            <p14:sldId id="267"/>
             <p14:sldId id="260"/>
-            <p14:sldId id="263"/>
+            <p14:sldId id="271"/>
+            <p14:sldId id="270"/>
+            <p14:sldId id="272"/>
             <p14:sldId id="264"/>
           </p14:sldIdLst>
         </p14:section>
@@ -235,7 +239,7 @@
           <a:p>
             <a:fld id="{89855770-2AA3-43A4-9924-C8197CB04EA0}" type="datetimeFigureOut">
               <a:rPr lang="en-US" smtClean="0"/>
-              <a:t>12/27/2014</a:t>
+              <a:t>8/26/2015</a:t>
             </a:fld>
             <a:endParaRPr lang="en-US"/>
           </a:p>
@@ -503,6 +507,90 @@
 </p:notesMaster>
 </file>
 
+<file path=ppt/notesSlides/notesSlide1.xml><?xml version="1.0" encoding="utf-8"?>
+<p:notes xmlns:a="http://schemas.openxmlformats.org/drawingml/2006/main" xmlns:r="http://schemas.openxmlformats.org/officeDocument/2006/relationships" xmlns:p="http://schemas.openxmlformats.org/presentationml/2006/main">
+  <p:cSld>
+    <p:spTree>
+      <p:nvGrpSpPr>
+        <p:cNvPr id="1" name=""/>
+        <p:cNvGrpSpPr/>
+        <p:nvPr/>
+      </p:nvGrpSpPr>
+      <p:grpSpPr>
+        <a:xfrm>
+          <a:off x="0" y="0"/>
+          <a:ext cx="0" cy="0"/>
+          <a:chOff x="0" y="0"/>
+          <a:chExt cx="0" cy="0"/>
+        </a:xfrm>
+      </p:grpSpPr>
+      <p:sp>
+        <p:nvSpPr>
+          <p:cNvPr id="2" name="Slide Image Placeholder 1"/>
+          <p:cNvSpPr>
+            <a:spLocks noGrp="1" noRot="1" noChangeAspect="1"/>
+          </p:cNvSpPr>
+          <p:nvPr>
+            <p:ph type="sldImg"/>
+          </p:nvPr>
+        </p:nvSpPr>
+        <p:spPr/>
+      </p:sp>
+      <p:sp>
+        <p:nvSpPr>
+          <p:cNvPr id="3" name="Notes Placeholder 2"/>
+          <p:cNvSpPr>
+            <a:spLocks noGrp="1"/>
+          </p:cNvSpPr>
+          <p:nvPr>
+            <p:ph type="body" idx="1"/>
+          </p:nvPr>
+        </p:nvSpPr>
+        <p:spPr/>
+        <p:txBody>
+          <a:bodyPr/>
+          <a:lstStyle/>
+          <a:p>
+            <a:endParaRPr lang="en-US"/>
+          </a:p>
+        </p:txBody>
+      </p:sp>
+      <p:sp>
+        <p:nvSpPr>
+          <p:cNvPr id="4" name="Slide Number Placeholder 3"/>
+          <p:cNvSpPr>
+            <a:spLocks noGrp="1"/>
+          </p:cNvSpPr>
+          <p:nvPr>
+            <p:ph type="sldNum" sz="quarter" idx="10"/>
+          </p:nvPr>
+        </p:nvSpPr>
+        <p:spPr/>
+        <p:txBody>
+          <a:bodyPr/>
+          <a:lstStyle/>
+          <a:p>
+            <a:fld id="{34E5FF70-55B8-4FAD-BCE2-A4D3A44BBAF4}" type="slidenum">
+              <a:rPr lang="en-US" smtClean="0"/>
+              <a:t>2</a:t>
+            </a:fld>
+            <a:endParaRPr lang="en-US"/>
+          </a:p>
+        </p:txBody>
+      </p:sp>
+    </p:spTree>
+    <p:extLst>
+      <p:ext uri="{BB962C8B-B14F-4D97-AF65-F5344CB8AC3E}">
+        <p14:creationId xmlns:p14="http://schemas.microsoft.com/office/powerpoint/2010/main" val="3051326928"/>
+      </p:ext>
+    </p:extLst>
+  </p:cSld>
+  <p:clrMapOvr>
+    <a:masterClrMapping/>
+  </p:clrMapOvr>
+</p:notes>
+</file>
+
 <file path=ppt/slideLayouts/slideLayout1.xml><?xml version="1.0" encoding="utf-8"?>
 <p:sldLayout xmlns:a="http://schemas.openxmlformats.org/drawingml/2006/main" xmlns:r="http://schemas.openxmlformats.org/officeDocument/2006/relationships" xmlns:p="http://schemas.openxmlformats.org/presentationml/2006/main" type="title" preserve="1">
   <p:cSld name="Title Slide">
@@ -707,7 +795,7 @@
           <a:p>
             <a:r>
               <a:rPr lang="en-US" smtClean="0"/>
-              <a:t>CS6501: Information Retrieval</a:t>
+              <a:t>CS4501: Information Retrieval</a:t>
             </a:r>
             <a:endParaRPr lang="en-US"/>
           </a:p>
@@ -881,7 +969,7 @@
           <a:p>
             <a:r>
               <a:rPr lang="en-US" smtClean="0"/>
-              <a:t>CS6501: Information Retrieval</a:t>
+              <a:t>CS4501: Information Retrieval</a:t>
             </a:r>
             <a:endParaRPr lang="en-US"/>
           </a:p>
@@ -1065,7 +1153,7 @@
           <a:p>
             <a:r>
               <a:rPr lang="en-US" smtClean="0"/>
-              <a:t>CS6501: Information Retrieval</a:t>
+              <a:t>CS4501: Information Retrieval</a:t>
             </a:r>
             <a:endParaRPr lang="en-US"/>
           </a:p>
@@ -1239,7 +1327,7 @@
           <a:p>
             <a:r>
               <a:rPr lang="en-US" smtClean="0"/>
-              <a:t>CS6501: Information Retrieval</a:t>
+              <a:t>CS4501: Information Retrieval</a:t>
             </a:r>
             <a:endParaRPr lang="en-US"/>
           </a:p>
@@ -1489,7 +1577,7 @@
           <a:p>
             <a:r>
               <a:rPr lang="en-US" smtClean="0"/>
-              <a:t>CS6501: Information Retrieval</a:t>
+              <a:t>CS4501: Information Retrieval</a:t>
             </a:r>
             <a:endParaRPr lang="en-US"/>
           </a:p>
@@ -1781,7 +1869,7 @@
           <a:p>
             <a:r>
               <a:rPr lang="en-US" smtClean="0"/>
-              <a:t>CS6501: Information Retrieval</a:t>
+              <a:t>CS4501: Information Retrieval</a:t>
             </a:r>
             <a:endParaRPr lang="en-US"/>
           </a:p>
@@ -2207,7 +2295,7 @@
           <a:p>
             <a:r>
               <a:rPr lang="en-US" smtClean="0"/>
-              <a:t>CS6501: Information Retrieval</a:t>
+              <a:t>CS4501: Information Retrieval</a:t>
             </a:r>
             <a:endParaRPr lang="en-US"/>
           </a:p>
@@ -2329,7 +2417,7 @@
           <a:p>
             <a:r>
               <a:rPr lang="en-US" smtClean="0"/>
-              <a:t>CS6501: Information Retrieval</a:t>
+              <a:t>CS4501: Information Retrieval</a:t>
             </a:r>
             <a:endParaRPr lang="en-US"/>
           </a:p>
@@ -2428,7 +2516,7 @@
           <a:p>
             <a:r>
               <a:rPr lang="en-US" smtClean="0"/>
-              <a:t>CS6501: Information Retrieval</a:t>
+              <a:t>CS4501: Information Retrieval</a:t>
             </a:r>
             <a:endParaRPr lang="en-US"/>
           </a:p>
@@ -2709,7 +2797,7 @@
           <a:p>
             <a:r>
               <a:rPr lang="en-US" smtClean="0"/>
-              <a:t>CS6501: Information Retrieval</a:t>
+              <a:t>CS4501: Information Retrieval</a:t>
             </a:r>
             <a:endParaRPr lang="en-US"/>
           </a:p>
@@ -2966,7 +3054,7 @@
           <a:p>
             <a:r>
               <a:rPr lang="en-US" smtClean="0"/>
-              <a:t>CS6501: Information Retrieval</a:t>
+              <a:t>CS4501: Information Retrieval</a:t>
             </a:r>
             <a:endParaRPr lang="en-US"/>
           </a:p>
@@ -3201,7 +3289,7 @@
           <a:p>
             <a:r>
               <a:rPr lang="en-US" smtClean="0"/>
-              <a:t>CS6501: Information Retrieval</a:t>
+              <a:t>CS4501: Information Retrieval</a:t>
             </a:r>
             <a:endParaRPr lang="en-US"/>
           </a:p>
@@ -3557,7 +3645,7 @@
           <a:p>
             <a:r>
               <a:rPr lang="en-US" dirty="0" smtClean="0"/>
-              <a:t>CS6501 Information Retrieval Course Policy</a:t>
+              <a:t>CS4501 Information Retrieval Course Policy</a:t>
             </a:r>
             <a:endParaRPr lang="en-US" dirty="0"/>
           </a:p>
@@ -3606,6 +3694,13 @@
   <p:clrMapOvr>
     <a:masterClrMapping/>
   </p:clrMapOvr>
+  <p:timing>
+    <p:tnLst>
+      <p:par>
+        <p:cTn id="1" dur="indefinite" restart="never" nodeType="tmRoot"/>
+      </p:par>
+    </p:tnLst>
+  </p:timing>
 </p:sld>
 </file>
 
@@ -3628,6 +3723,702 @@
       </p:grpSpPr>
       <p:sp>
         <p:nvSpPr>
+          <p:cNvPr id="2" name="Title 1"/>
+          <p:cNvSpPr>
+            <a:spLocks noGrp="1"/>
+          </p:cNvSpPr>
+          <p:nvPr>
+            <p:ph type="title"/>
+          </p:nvPr>
+        </p:nvSpPr>
+        <p:spPr/>
+        <p:txBody>
+          <a:bodyPr/>
+          <a:lstStyle/>
+          <a:p>
+            <a:r>
+              <a:rPr lang="en-US" dirty="0" smtClean="0"/>
+              <a:t>Contact information</a:t>
+            </a:r>
+            <a:endParaRPr lang="en-US" dirty="0"/>
+          </a:p>
+        </p:txBody>
+      </p:sp>
+      <p:sp>
+        <p:nvSpPr>
+          <p:cNvPr id="3" name="Content Placeholder 2"/>
+          <p:cNvSpPr>
+            <a:spLocks noGrp="1"/>
+          </p:cNvSpPr>
+          <p:nvPr>
+            <p:ph idx="1"/>
+          </p:nvPr>
+        </p:nvSpPr>
+        <p:spPr>
+          <a:xfrm>
+            <a:off x="457200" y="1600200"/>
+            <a:ext cx="8229600" cy="4756150"/>
+          </a:xfrm>
+        </p:spPr>
+        <p:txBody>
+          <a:bodyPr>
+            <a:normAutofit fontScale="70000" lnSpcReduction="20000"/>
+          </a:bodyPr>
+          <a:lstStyle/>
+          <a:p>
+            <a:r>
+              <a:rPr lang="en-US" dirty="0" smtClean="0"/>
+              <a:t>Lecture </a:t>
+            </a:r>
+          </a:p>
+          <a:p>
+            <a:pPr lvl="1"/>
+            <a:r>
+              <a:rPr lang="en-US" dirty="0" smtClean="0"/>
+              <a:t>Instructor: </a:t>
+            </a:r>
+            <a:r>
+              <a:rPr lang="en-US" dirty="0" err="1" smtClean="0"/>
+              <a:t>Hongning</a:t>
+            </a:r>
+            <a:r>
+              <a:rPr lang="en-US" dirty="0" smtClean="0"/>
+              <a:t> Wang</a:t>
+            </a:r>
+          </a:p>
+          <a:p>
+            <a:pPr lvl="1"/>
+            <a:r>
+              <a:rPr lang="en-US" dirty="0" smtClean="0"/>
+              <a:t>Time: Monday/Wednesday 5:00pm to 6:15pm</a:t>
+            </a:r>
+          </a:p>
+          <a:p>
+            <a:pPr lvl="1"/>
+            <a:r>
+              <a:rPr lang="en-US" dirty="0" smtClean="0"/>
+              <a:t>Location: Olsson Hall 120</a:t>
+            </a:r>
+          </a:p>
+          <a:p>
+            <a:r>
+              <a:rPr lang="en-US" dirty="0" smtClean="0"/>
+              <a:t>Office hour</a:t>
+            </a:r>
+          </a:p>
+          <a:p>
+            <a:pPr lvl="1"/>
+            <a:r>
+              <a:rPr lang="en-US" dirty="0" smtClean="0"/>
+              <a:t>Instructor’s</a:t>
+            </a:r>
+          </a:p>
+          <a:p>
+            <a:pPr lvl="2"/>
+            <a:r>
+              <a:rPr lang="en-US" dirty="0" smtClean="0"/>
+              <a:t>Time</a:t>
+            </a:r>
+            <a:r>
+              <a:rPr lang="en-US" dirty="0"/>
+              <a:t>: Monday/Wednesday </a:t>
+            </a:r>
+            <a:r>
+              <a:rPr lang="en-US" dirty="0" smtClean="0"/>
+              <a:t>4:00pm </a:t>
+            </a:r>
+            <a:r>
+              <a:rPr lang="en-US" dirty="0"/>
+              <a:t>to </a:t>
+            </a:r>
+            <a:r>
+              <a:rPr lang="en-US" dirty="0" smtClean="0"/>
+              <a:t>5:00pm</a:t>
+            </a:r>
+          </a:p>
+          <a:p>
+            <a:pPr lvl="2"/>
+            <a:r>
+              <a:rPr lang="en-US" dirty="0" smtClean="0"/>
+              <a:t>Location</a:t>
+            </a:r>
+            <a:r>
+              <a:rPr lang="en-US" dirty="0"/>
+              <a:t>: </a:t>
+            </a:r>
+            <a:r>
+              <a:rPr lang="en-US" dirty="0" smtClean="0"/>
+              <a:t>Rice Hall 408</a:t>
+            </a:r>
+          </a:p>
+          <a:p>
+            <a:pPr lvl="1"/>
+            <a:r>
+              <a:rPr lang="en-US" dirty="0" smtClean="0"/>
+              <a:t>TAs’</a:t>
+            </a:r>
+            <a:endParaRPr lang="en-US" dirty="0"/>
+          </a:p>
+          <a:p>
+            <a:pPr lvl="2"/>
+            <a:r>
+              <a:rPr lang="en-US" dirty="0"/>
+              <a:t>Time: </a:t>
+            </a:r>
+            <a:r>
+              <a:rPr lang="en-US" dirty="0" smtClean="0"/>
+              <a:t>Tuesday/Thursday 2:00pm </a:t>
+            </a:r>
+            <a:r>
+              <a:rPr lang="en-US" dirty="0"/>
+              <a:t>to </a:t>
+            </a:r>
+            <a:r>
+              <a:rPr lang="en-US" dirty="0" smtClean="0"/>
+              <a:t>3:00pm</a:t>
+            </a:r>
+            <a:endParaRPr lang="en-US" dirty="0"/>
+          </a:p>
+          <a:p>
+            <a:pPr lvl="2"/>
+            <a:r>
+              <a:rPr lang="en-US" dirty="0"/>
+              <a:t>Location: Rice Hall </a:t>
+            </a:r>
+            <a:r>
+              <a:rPr lang="en-US" dirty="0" smtClean="0"/>
+              <a:t>414</a:t>
+            </a:r>
+          </a:p>
+          <a:p>
+            <a:r>
+              <a:rPr lang="en-US" dirty="0" smtClean="0"/>
+              <a:t>Course website</a:t>
+            </a:r>
+          </a:p>
+          <a:p>
+            <a:pPr lvl="1"/>
+            <a:r>
+              <a:rPr lang="en-US" dirty="0"/>
+              <a:t>Website: </a:t>
+            </a:r>
+            <a:r>
+              <a:rPr lang="en-US" dirty="0">
+                <a:hlinkClick r:id="rId2"/>
+              </a:rPr>
+              <a:t>http://www.cs.virginia.edu/~hw5x/Course/IR2015/_</a:t>
+            </a:r>
+            <a:r>
+              <a:rPr lang="en-US" dirty="0" smtClean="0">
+                <a:hlinkClick r:id="rId2"/>
+              </a:rPr>
+              <a:t>site</a:t>
+            </a:r>
+            <a:endParaRPr lang="en-US" dirty="0" smtClean="0"/>
+          </a:p>
+          <a:p>
+            <a:pPr lvl="1"/>
+            <a:r>
+              <a:rPr lang="en-US" dirty="0" smtClean="0"/>
+              <a:t>Piazza: </a:t>
+            </a:r>
+            <a:r>
+              <a:rPr lang="en-US" dirty="0" smtClean="0">
+                <a:hlinkClick r:id="rId3" action="ppaction://hlinkfile"/>
+              </a:rPr>
+              <a:t>https://piazza.com/virginia/fall2015/cs4501/home</a:t>
+            </a:r>
+            <a:endParaRPr lang="en-US" dirty="0"/>
+          </a:p>
+        </p:txBody>
+      </p:sp>
+      <p:sp>
+        <p:nvSpPr>
+          <p:cNvPr id="6" name="Date Placeholder 5"/>
+          <p:cNvSpPr>
+            <a:spLocks noGrp="1"/>
+          </p:cNvSpPr>
+          <p:nvPr>
+            <p:ph type="dt" sz="half" idx="10"/>
+          </p:nvPr>
+        </p:nvSpPr>
+        <p:spPr/>
+        <p:txBody>
+          <a:bodyPr/>
+          <a:lstStyle/>
+          <a:p>
+            <a:r>
+              <a:rPr lang="en-US" smtClean="0"/>
+              <a:t>CS@UVa</a:t>
+            </a:r>
+            <a:endParaRPr lang="en-US"/>
+          </a:p>
+        </p:txBody>
+      </p:sp>
+      <p:sp>
+        <p:nvSpPr>
+          <p:cNvPr id="7" name="Footer Placeholder 6"/>
+          <p:cNvSpPr>
+            <a:spLocks noGrp="1"/>
+          </p:cNvSpPr>
+          <p:nvPr>
+            <p:ph type="ftr" sz="quarter" idx="11"/>
+          </p:nvPr>
+        </p:nvSpPr>
+        <p:spPr/>
+        <p:txBody>
+          <a:bodyPr/>
+          <a:lstStyle/>
+          <a:p>
+            <a:r>
+              <a:rPr lang="en-US" smtClean="0"/>
+              <a:t>CS4501: Information Retrieval</a:t>
+            </a:r>
+            <a:endParaRPr lang="en-US"/>
+          </a:p>
+        </p:txBody>
+      </p:sp>
+      <p:sp>
+        <p:nvSpPr>
+          <p:cNvPr id="8" name="Slide Number Placeholder 7"/>
+          <p:cNvSpPr>
+            <a:spLocks noGrp="1"/>
+          </p:cNvSpPr>
+          <p:nvPr>
+            <p:ph type="sldNum" sz="quarter" idx="12"/>
+          </p:nvPr>
+        </p:nvSpPr>
+        <p:spPr/>
+        <p:txBody>
+          <a:bodyPr/>
+          <a:lstStyle/>
+          <a:p>
+            <a:fld id="{8B73B576-4618-475D-9FCB-4FE0D483ACFE}" type="slidenum">
+              <a:rPr lang="en-US" smtClean="0"/>
+              <a:t>10</a:t>
+            </a:fld>
+            <a:endParaRPr lang="en-US"/>
+          </a:p>
+        </p:txBody>
+      </p:sp>
+    </p:spTree>
+    <p:extLst>
+      <p:ext uri="{BB962C8B-B14F-4D97-AF65-F5344CB8AC3E}">
+        <p14:creationId xmlns:p14="http://schemas.microsoft.com/office/powerpoint/2010/main" val="1871626285"/>
+      </p:ext>
+    </p:extLst>
+  </p:cSld>
+  <p:clrMapOvr>
+    <a:masterClrMapping/>
+  </p:clrMapOvr>
+  <p:timing>
+    <p:tnLst>
+      <p:par>
+        <p:cTn id="1" dur="indefinite" restart="never" nodeType="tmRoot"/>
+      </p:par>
+    </p:tnLst>
+  </p:timing>
+</p:sld>
+</file>
+
+<file path=ppt/slides/slide11.xml><?xml version="1.0" encoding="utf-8"?>
+<p:sld xmlns:a="http://schemas.openxmlformats.org/drawingml/2006/main" xmlns:r="http://schemas.openxmlformats.org/officeDocument/2006/relationships" xmlns:p="http://schemas.openxmlformats.org/presentationml/2006/main">
+  <p:cSld>
+    <p:spTree>
+      <p:nvGrpSpPr>
+        <p:cNvPr id="1" name=""/>
+        <p:cNvGrpSpPr/>
+        <p:nvPr/>
+      </p:nvGrpSpPr>
+      <p:grpSpPr>
+        <a:xfrm>
+          <a:off x="0" y="0"/>
+          <a:ext cx="0" cy="0"/>
+          <a:chOff x="0" y="0"/>
+          <a:chExt cx="0" cy="0"/>
+        </a:xfrm>
+      </p:grpSpPr>
+      <p:sp>
+        <p:nvSpPr>
+          <p:cNvPr id="2" name="Title 1"/>
+          <p:cNvSpPr>
+            <a:spLocks noGrp="1"/>
+          </p:cNvSpPr>
+          <p:nvPr>
+            <p:ph type="title"/>
+          </p:nvPr>
+        </p:nvSpPr>
+        <p:spPr/>
+        <p:txBody>
+          <a:bodyPr/>
+          <a:lstStyle/>
+          <a:p>
+            <a:r>
+              <a:rPr lang="en-US" dirty="0" smtClean="0"/>
+              <a:t>TAs</a:t>
+            </a:r>
+            <a:endParaRPr lang="en-US" dirty="0"/>
+          </a:p>
+        </p:txBody>
+      </p:sp>
+      <p:sp>
+        <p:nvSpPr>
+          <p:cNvPr id="4" name="Date Placeholder 3"/>
+          <p:cNvSpPr>
+            <a:spLocks noGrp="1"/>
+          </p:cNvSpPr>
+          <p:nvPr>
+            <p:ph type="dt" sz="half" idx="10"/>
+          </p:nvPr>
+        </p:nvSpPr>
+        <p:spPr/>
+        <p:txBody>
+          <a:bodyPr/>
+          <a:lstStyle/>
+          <a:p>
+            <a:r>
+              <a:rPr lang="en-US" smtClean="0"/>
+              <a:t>CS@UVa</a:t>
+            </a:r>
+            <a:endParaRPr lang="en-US"/>
+          </a:p>
+        </p:txBody>
+      </p:sp>
+      <p:sp>
+        <p:nvSpPr>
+          <p:cNvPr id="5" name="Footer Placeholder 4"/>
+          <p:cNvSpPr>
+            <a:spLocks noGrp="1"/>
+          </p:cNvSpPr>
+          <p:nvPr>
+            <p:ph type="ftr" sz="quarter" idx="11"/>
+          </p:nvPr>
+        </p:nvSpPr>
+        <p:spPr/>
+        <p:txBody>
+          <a:bodyPr/>
+          <a:lstStyle/>
+          <a:p>
+            <a:r>
+              <a:rPr lang="en-US" smtClean="0"/>
+              <a:t>CS4501: Information Retrieval</a:t>
+            </a:r>
+            <a:endParaRPr lang="en-US"/>
+          </a:p>
+        </p:txBody>
+      </p:sp>
+      <p:sp>
+        <p:nvSpPr>
+          <p:cNvPr id="6" name="Slide Number Placeholder 5"/>
+          <p:cNvSpPr>
+            <a:spLocks noGrp="1"/>
+          </p:cNvSpPr>
+          <p:nvPr>
+            <p:ph type="sldNum" sz="quarter" idx="12"/>
+          </p:nvPr>
+        </p:nvSpPr>
+        <p:spPr/>
+        <p:txBody>
+          <a:bodyPr/>
+          <a:lstStyle/>
+          <a:p>
+            <a:fld id="{8B73B576-4618-475D-9FCB-4FE0D483ACFE}" type="slidenum">
+              <a:rPr lang="en-US" smtClean="0"/>
+              <a:t>11</a:t>
+            </a:fld>
+            <a:endParaRPr lang="en-US"/>
+          </a:p>
+        </p:txBody>
+      </p:sp>
+      <p:pic>
+        <p:nvPicPr>
+          <p:cNvPr id="3074" name="Picture 2" descr="http://www.cs.virginia.edu/people/grads/images/newgrads2013/Gong,Lin2.JPG"/>
+          <p:cNvPicPr>
+            <a:picLocks noChangeAspect="1" noChangeArrowheads="1"/>
+          </p:cNvPicPr>
+          <p:nvPr/>
+        </p:nvPicPr>
+        <p:blipFill>
+          <a:blip r:embed="rId2">
+            <a:extLst>
+              <a:ext uri="{28A0092B-C50C-407E-A947-70E740481C1C}">
+                <a14:useLocalDpi xmlns:a14="http://schemas.microsoft.com/office/drawing/2010/main" val="0"/>
+              </a:ext>
+            </a:extLst>
+          </a:blip>
+          <a:srcRect/>
+          <a:stretch>
+            <a:fillRect/>
+          </a:stretch>
+        </p:blipFill>
+        <p:spPr bwMode="auto">
+          <a:xfrm>
+            <a:off x="914400" y="2133600"/>
+            <a:ext cx="1143000" cy="1524001"/>
+          </a:xfrm>
+          <a:prstGeom prst="rect">
+            <a:avLst/>
+          </a:prstGeom>
+          <a:noFill/>
+          <a:extLst>
+            <a:ext uri="{909E8E84-426E-40DD-AFC4-6F175D3DCCD1}">
+              <a14:hiddenFill xmlns:a14="http://schemas.microsoft.com/office/drawing/2010/main">
+                <a:solidFill>
+                  <a:srgbClr val="FFFFFF"/>
+                </a:solidFill>
+              </a14:hiddenFill>
+            </a:ext>
+          </a:extLst>
+        </p:spPr>
+      </p:pic>
+      <p:pic>
+        <p:nvPicPr>
+          <p:cNvPr id="3076" name="Picture 4" descr="http://www.cs.virginia.edu/people/grads/images/newgrads14/Wu,Qingyun2.jpg"/>
+          <p:cNvPicPr>
+            <a:picLocks noChangeAspect="1" noChangeArrowheads="1"/>
+          </p:cNvPicPr>
+          <p:nvPr/>
+        </p:nvPicPr>
+        <p:blipFill>
+          <a:blip r:embed="rId3">
+            <a:extLst>
+              <a:ext uri="{28A0092B-C50C-407E-A947-70E740481C1C}">
+                <a14:useLocalDpi xmlns:a14="http://schemas.microsoft.com/office/drawing/2010/main" val="0"/>
+              </a:ext>
+            </a:extLst>
+          </a:blip>
+          <a:srcRect/>
+          <a:stretch>
+            <a:fillRect/>
+          </a:stretch>
+        </p:blipFill>
+        <p:spPr bwMode="auto">
+          <a:xfrm>
+            <a:off x="3733800" y="2133600"/>
+            <a:ext cx="1143000" cy="1524001"/>
+          </a:xfrm>
+          <a:prstGeom prst="rect">
+            <a:avLst/>
+          </a:prstGeom>
+          <a:noFill/>
+          <a:extLst>
+            <a:ext uri="{909E8E84-426E-40DD-AFC4-6F175D3DCCD1}">
+              <a14:hiddenFill xmlns:a14="http://schemas.microsoft.com/office/drawing/2010/main">
+                <a:solidFill>
+                  <a:srgbClr val="FFFFFF"/>
+                </a:solidFill>
+              </a14:hiddenFill>
+            </a:ext>
+          </a:extLst>
+        </p:spPr>
+      </p:pic>
+      <p:pic>
+        <p:nvPicPr>
+          <p:cNvPr id="3078" name="Picture 6" descr="http://www.cs.virginia.edu/people/grads/images/newgrads14/Rahman,Mustafizur.jpg"/>
+          <p:cNvPicPr>
+            <a:picLocks noChangeAspect="1" noChangeArrowheads="1"/>
+          </p:cNvPicPr>
+          <p:nvPr/>
+        </p:nvPicPr>
+        <p:blipFill>
+          <a:blip r:embed="rId4">
+            <a:extLst>
+              <a:ext uri="{28A0092B-C50C-407E-A947-70E740481C1C}">
+                <a14:useLocalDpi xmlns:a14="http://schemas.microsoft.com/office/drawing/2010/main" val="0"/>
+              </a:ext>
+            </a:extLst>
+          </a:blip>
+          <a:srcRect/>
+          <a:stretch>
+            <a:fillRect/>
+          </a:stretch>
+        </p:blipFill>
+        <p:spPr bwMode="auto">
+          <a:xfrm>
+            <a:off x="6378574" y="2103965"/>
+            <a:ext cx="1145285" cy="1527048"/>
+          </a:xfrm>
+          <a:prstGeom prst="rect">
+            <a:avLst/>
+          </a:prstGeom>
+          <a:noFill/>
+          <a:extLst>
+            <a:ext uri="{909E8E84-426E-40DD-AFC4-6F175D3DCCD1}">
+              <a14:hiddenFill xmlns:a14="http://schemas.microsoft.com/office/drawing/2010/main">
+                <a:solidFill>
+                  <a:srgbClr val="FFFFFF"/>
+                </a:solidFill>
+              </a14:hiddenFill>
+            </a:ext>
+          </a:extLst>
+        </p:spPr>
+      </p:pic>
+      <p:sp>
+        <p:nvSpPr>
+          <p:cNvPr id="7" name="TextBox 6"/>
+          <p:cNvSpPr txBox="1"/>
+          <p:nvPr/>
+        </p:nvSpPr>
+        <p:spPr>
+          <a:xfrm>
+            <a:off x="809624" y="3850262"/>
+            <a:ext cx="1981201" cy="923330"/>
+          </a:xfrm>
+          <a:prstGeom prst="rect">
+            <a:avLst/>
+          </a:prstGeom>
+          <a:noFill/>
+        </p:spPr>
+        <p:txBody>
+          <a:bodyPr wrap="square" rtlCol="0">
+            <a:spAutoFit/>
+          </a:bodyPr>
+          <a:lstStyle/>
+          <a:p>
+            <a:r>
+              <a:rPr lang="en-US" dirty="0" smtClean="0"/>
+              <a:t>Gong Lin</a:t>
+            </a:r>
+          </a:p>
+          <a:p>
+            <a:r>
+              <a:rPr lang="en-US" dirty="0"/>
+              <a:t>lg5bt@virginia.edu </a:t>
+            </a:r>
+            <a:endParaRPr lang="en-US" dirty="0" smtClean="0"/>
+          </a:p>
+          <a:p>
+            <a:endParaRPr lang="en-US" dirty="0"/>
+          </a:p>
+        </p:txBody>
+      </p:sp>
+      <p:sp>
+        <p:nvSpPr>
+          <p:cNvPr id="11" name="TextBox 10"/>
+          <p:cNvSpPr txBox="1"/>
+          <p:nvPr/>
+        </p:nvSpPr>
+        <p:spPr>
+          <a:xfrm>
+            <a:off x="3629024" y="3856657"/>
+            <a:ext cx="2133601" cy="923330"/>
+          </a:xfrm>
+          <a:prstGeom prst="rect">
+            <a:avLst/>
+          </a:prstGeom>
+          <a:noFill/>
+        </p:spPr>
+        <p:txBody>
+          <a:bodyPr wrap="square" rtlCol="0">
+            <a:spAutoFit/>
+          </a:bodyPr>
+          <a:lstStyle/>
+          <a:p>
+            <a:r>
+              <a:rPr lang="en-US" dirty="0" err="1" smtClean="0"/>
+              <a:t>Qingyun</a:t>
+            </a:r>
+            <a:r>
+              <a:rPr lang="en-US" dirty="0" smtClean="0"/>
+              <a:t> Wu</a:t>
+            </a:r>
+          </a:p>
+          <a:p>
+            <a:r>
+              <a:rPr lang="en-US" dirty="0"/>
+              <a:t>qw2ky@virginia.edu  </a:t>
+            </a:r>
+            <a:endParaRPr lang="en-US" dirty="0" smtClean="0"/>
+          </a:p>
+          <a:p>
+            <a:endParaRPr lang="en-US" dirty="0"/>
+          </a:p>
+        </p:txBody>
+      </p:sp>
+      <p:sp>
+        <p:nvSpPr>
+          <p:cNvPr id="12" name="TextBox 11"/>
+          <p:cNvSpPr txBox="1"/>
+          <p:nvPr/>
+        </p:nvSpPr>
+        <p:spPr>
+          <a:xfrm>
+            <a:off x="6343649" y="3830288"/>
+            <a:ext cx="2466976" cy="923330"/>
+          </a:xfrm>
+          <a:prstGeom prst="rect">
+            <a:avLst/>
+          </a:prstGeom>
+          <a:noFill/>
+        </p:spPr>
+        <p:txBody>
+          <a:bodyPr wrap="square" rtlCol="0">
+            <a:spAutoFit/>
+          </a:bodyPr>
+          <a:lstStyle/>
+          <a:p>
+            <a:r>
+              <a:rPr lang="en-US" dirty="0" err="1"/>
+              <a:t>Md</a:t>
+            </a:r>
+            <a:r>
+              <a:rPr lang="en-US" dirty="0"/>
+              <a:t> </a:t>
+            </a:r>
+            <a:r>
+              <a:rPr lang="en-US" dirty="0" err="1"/>
+              <a:t>Mustafizur</a:t>
+            </a:r>
+            <a:r>
+              <a:rPr lang="en-US" dirty="0"/>
+              <a:t> Rahman mr4xb@virginia.edu  </a:t>
+            </a:r>
+            <a:endParaRPr lang="en-US" dirty="0" smtClean="0"/>
+          </a:p>
+          <a:p>
+            <a:endParaRPr lang="en-US" dirty="0"/>
+          </a:p>
+        </p:txBody>
+      </p:sp>
+    </p:spTree>
+    <p:extLst>
+      <p:ext uri="{BB962C8B-B14F-4D97-AF65-F5344CB8AC3E}">
+        <p14:creationId xmlns:p14="http://schemas.microsoft.com/office/powerpoint/2010/main" val="947644710"/>
+      </p:ext>
+    </p:extLst>
+  </p:cSld>
+  <p:clrMapOvr>
+    <a:masterClrMapping/>
+  </p:clrMapOvr>
+  <p:timing>
+    <p:tnLst>
+      <p:par>
+        <p:cTn id="1" dur="indefinite" restart="never" nodeType="tmRoot"/>
+      </p:par>
+    </p:tnLst>
+  </p:timing>
+</p:sld>
+</file>
+
+<file path=ppt/slides/slide12.xml><?xml version="1.0" encoding="utf-8"?>
+<p:sld xmlns:a="http://schemas.openxmlformats.org/drawingml/2006/main" xmlns:r="http://schemas.openxmlformats.org/officeDocument/2006/relationships" xmlns:p="http://schemas.openxmlformats.org/presentationml/2006/main">
+  <p:cSld>
+    <p:spTree>
+      <p:nvGrpSpPr>
+        <p:cNvPr id="1" name=""/>
+        <p:cNvGrpSpPr/>
+        <p:nvPr/>
+      </p:nvGrpSpPr>
+      <p:grpSpPr>
+        <a:xfrm>
+          <a:off x="0" y="0"/>
+          <a:ext cx="0" cy="0"/>
+          <a:chOff x="0" y="0"/>
+          <a:chExt cx="0" cy="0"/>
+        </a:xfrm>
+      </p:grpSpPr>
+      <p:sp>
+        <p:nvSpPr>
           <p:cNvPr id="4" name="Title 3"/>
           <p:cNvSpPr>
             <a:spLocks noGrp="1"/>
@@ -3712,7 +4503,7 @@
           <a:p>
             <a:r>
               <a:rPr lang="en-US" smtClean="0"/>
-              <a:t>CS6501: Information Retrieval</a:t>
+              <a:t>CS4501: Information Retrieval</a:t>
             </a:r>
             <a:endParaRPr lang="en-US"/>
           </a:p>
@@ -3735,7 +4526,7 @@
           <a:p>
             <a:fld id="{8B73B576-4618-475D-9FCB-4FE0D483ACFE}" type="slidenum">
               <a:rPr lang="en-US" smtClean="0"/>
-              <a:t>10</a:t>
+              <a:t>12</a:t>
             </a:fld>
             <a:endParaRPr lang="en-US"/>
           </a:p>
@@ -3751,6 +4542,13 @@
   <p:clrMapOvr>
     <a:masterClrMapping/>
   </p:clrMapOvr>
+  <p:timing>
+    <p:tnLst>
+      <p:par>
+        <p:cTn id="1" dur="indefinite" restart="never" nodeType="tmRoot"/>
+      </p:par>
+    </p:tnLst>
+  </p:timing>
 </p:sld>
 </file>
 
@@ -3813,89 +4611,54 @@
           <a:p>
             <a:r>
               <a:rPr lang="en-US" sz="2400" dirty="0" smtClean="0"/>
-              <a:t>Discuss fundamental problems in text mining research</a:t>
-            </a:r>
-            <a:endParaRPr lang="en-US" sz="2400" dirty="0" smtClean="0"/>
+              <a:t>Discuss fundamental problems in information retrieval</a:t>
+            </a:r>
           </a:p>
           <a:p>
             <a:pPr lvl="1"/>
             <a:r>
               <a:rPr lang="en-US" sz="2400" dirty="0" smtClean="0"/>
-              <a:t>Building blocks of text mining algorithms</a:t>
-            </a:r>
-            <a:endParaRPr lang="en-US" sz="2400" dirty="0" smtClean="0"/>
+              <a:t>Building blocks of search engine systems</a:t>
+            </a:r>
           </a:p>
           <a:p>
             <a:pPr lvl="1"/>
             <a:r>
               <a:rPr lang="en-US" sz="2400" dirty="0" smtClean="0"/>
-              <a:t>Wide coverage of </a:t>
-            </a:r>
+              <a:t>Wide coverage of many IR applications</a:t>
+            </a:r>
+          </a:p>
+          <a:p>
+            <a:pPr lvl="2"/>
+            <a:r>
+              <a:rPr lang="en-US" sz="2000" dirty="0" smtClean="0"/>
+              <a:t>Personalized recommendation</a:t>
+            </a:r>
+          </a:p>
+          <a:p>
+            <a:pPr lvl="2"/>
+            <a:r>
+              <a:rPr lang="en-US" sz="2000" dirty="0" smtClean="0"/>
+              <a:t>Online advertising</a:t>
+            </a:r>
+          </a:p>
+          <a:p>
             <a:r>
               <a:rPr lang="en-US" sz="2400" dirty="0" smtClean="0"/>
-              <a:t>many </a:t>
-            </a:r>
+              <a:t>Get hands-on experience by developing practical systems/components</a:t>
+            </a:r>
+          </a:p>
+          <a:p>
             <a:r>
               <a:rPr lang="en-US" sz="2400" dirty="0" smtClean="0"/>
-              <a:t>applications</a:t>
-            </a:r>
-          </a:p>
-          <a:p>
-            <a:pPr lvl="2"/>
+              <a:t>Prepare students for doing cutting-edge research in information retrieval and related fields</a:t>
+            </a:r>
+          </a:p>
+          <a:p>
+            <a:pPr lvl="1"/>
             <a:r>
               <a:rPr lang="en-US" sz="2000" dirty="0" smtClean="0"/>
-              <a:t>D</a:t>
-            </a:r>
-            <a:r>
-              <a:rPr lang="en-US" sz="2000" dirty="0" smtClean="0"/>
-              <a:t>ocument classification/clustering</a:t>
-            </a:r>
-          </a:p>
-          <a:p>
-            <a:pPr lvl="2"/>
-            <a:r>
-              <a:rPr lang="en-US" sz="2000" dirty="0" smtClean="0"/>
-              <a:t>Sentiment analysis/recommendation</a:t>
-            </a:r>
-            <a:endParaRPr lang="en-US" sz="2000" dirty="0" smtClean="0"/>
-          </a:p>
-          <a:p>
-            <a:r>
-              <a:rPr lang="en-US" sz="2400" dirty="0" smtClean="0"/>
-              <a:t>Get </a:t>
-            </a:r>
-            <a:r>
-              <a:rPr lang="en-US" sz="2400" dirty="0" smtClean="0"/>
-              <a:t>hands-on </a:t>
-            </a:r>
-            <a:r>
-              <a:rPr lang="en-US" sz="2400" dirty="0" smtClean="0"/>
-              <a:t>experience by developing practical systems/components</a:t>
-            </a:r>
-          </a:p>
-          <a:p>
-            <a:r>
-              <a:rPr lang="en-US" sz="2400" dirty="0" smtClean="0"/>
-              <a:t>Prepare students for doing cutting-edge research in </a:t>
-            </a:r>
-            <a:r>
-              <a:rPr lang="en-US" sz="2400" dirty="0" smtClean="0"/>
-              <a:t>text mining </a:t>
-            </a:r>
-            <a:r>
-              <a:rPr lang="en-US" sz="2400" dirty="0" smtClean="0"/>
-              <a:t>and related fields</a:t>
-            </a:r>
-          </a:p>
-          <a:p>
-            <a:pPr lvl="1"/>
-            <a:r>
-              <a:rPr lang="en-US" sz="2000" dirty="0" smtClean="0"/>
-              <a:t>Open the door to the amazing job opportunities in </a:t>
-            </a:r>
-            <a:r>
-              <a:rPr lang="en-US" sz="2000" dirty="0" smtClean="0"/>
-              <a:t>data science industry</a:t>
+              <a:t>Open the door to the amazing job opportunities in IT industry</a:t>
             </a:r>
             <a:endParaRPr lang="en-US" sz="2000" dirty="0"/>
           </a:p>
@@ -3941,7 +4704,7 @@
           <a:p>
             <a:r>
               <a:rPr lang="en-US" smtClean="0"/>
-              <a:t>CS6501: Information Retrieval</a:t>
+              <a:t>CS4501: Information Retrieval</a:t>
             </a:r>
             <a:endParaRPr lang="en-US"/>
           </a:p>
@@ -3980,6 +4743,13 @@
   <p:clrMapOvr>
     <a:masterClrMapping/>
   </p:clrMapOvr>
+  <p:timing>
+    <p:tnLst>
+      <p:par>
+        <p:cTn id="1" dur="indefinite" restart="never" nodeType="tmRoot"/>
+      </p:par>
+    </p:tnLst>
+  </p:timing>
 </p:sld>
 </file>
 
@@ -4017,416 +4787,6 @@
           <a:p>
             <a:r>
               <a:rPr lang="en-US" dirty="0" smtClean="0"/>
-              <a:t>Structure of this course</a:t>
-            </a:r>
-            <a:endParaRPr lang="en-US" dirty="0"/>
-          </a:p>
-        </p:txBody>
-      </p:sp>
-      <p:sp>
-        <p:nvSpPr>
-          <p:cNvPr id="3" name="Content Placeholder 2"/>
-          <p:cNvSpPr>
-            <a:spLocks noGrp="1"/>
-          </p:cNvSpPr>
-          <p:nvPr>
-            <p:ph idx="1"/>
-          </p:nvPr>
-        </p:nvSpPr>
-        <p:spPr/>
-        <p:txBody>
-          <a:bodyPr/>
-          <a:lstStyle/>
-          <a:p>
-            <a:r>
-              <a:rPr lang="en-US" dirty="0" smtClean="0"/>
-              <a:t>Lecture based</a:t>
-            </a:r>
-          </a:p>
-          <a:p>
-            <a:pPr lvl="1"/>
-            <a:r>
-              <a:rPr lang="en-US" dirty="0" smtClean="0"/>
-              <a:t>Six major </a:t>
-            </a:r>
-            <a:r>
-              <a:rPr lang="en-US" dirty="0" smtClean="0"/>
-              <a:t>topics will be covered </a:t>
-            </a:r>
-          </a:p>
-          <a:p>
-            <a:pPr lvl="2"/>
-            <a:r>
-              <a:rPr lang="en-US" dirty="0" smtClean="0"/>
-              <a:t>E.g., </a:t>
-            </a:r>
-            <a:r>
-              <a:rPr lang="en-US" dirty="0" smtClean="0"/>
-              <a:t>NLP pipelines, classification/clustering models, and social network analysis</a:t>
-            </a:r>
-            <a:endParaRPr lang="en-US" dirty="0" smtClean="0"/>
-          </a:p>
-          <a:p>
-            <a:pPr lvl="1"/>
-            <a:r>
-              <a:rPr lang="en-US" dirty="0" smtClean="0"/>
-              <a:t>Introduce </a:t>
-            </a:r>
-            <a:r>
-              <a:rPr lang="en-US" dirty="0" smtClean="0"/>
-              <a:t>state-of-the-art large scale text processing techniques</a:t>
-            </a:r>
-            <a:endParaRPr lang="en-US" dirty="0" smtClean="0"/>
-          </a:p>
-          <a:p>
-            <a:pPr lvl="2"/>
-            <a:r>
-              <a:rPr lang="en-US" dirty="0" smtClean="0"/>
-              <a:t>E.g., </a:t>
-            </a:r>
-            <a:r>
-              <a:rPr lang="en-US" dirty="0" err="1" smtClean="0"/>
-              <a:t>MapReduce</a:t>
-            </a:r>
-            <a:r>
-              <a:rPr lang="en-US" dirty="0" smtClean="0"/>
-              <a:t> framework, Apache Spark and </a:t>
-            </a:r>
-            <a:r>
-              <a:rPr lang="en-US" dirty="0" err="1" smtClean="0"/>
-              <a:t>GraphLab</a:t>
-            </a:r>
-            <a:endParaRPr lang="en-US" dirty="0" smtClean="0"/>
-          </a:p>
-          <a:p>
-            <a:pPr lvl="1"/>
-            <a:endParaRPr lang="en-US" dirty="0"/>
-          </a:p>
-        </p:txBody>
-      </p:sp>
-      <p:sp>
-        <p:nvSpPr>
-          <p:cNvPr id="6" name="Date Placeholder 5"/>
-          <p:cNvSpPr>
-            <a:spLocks noGrp="1"/>
-          </p:cNvSpPr>
-          <p:nvPr>
-            <p:ph type="dt" sz="half" idx="10"/>
-          </p:nvPr>
-        </p:nvSpPr>
-        <p:spPr/>
-        <p:txBody>
-          <a:bodyPr/>
-          <a:lstStyle/>
-          <a:p>
-            <a:r>
-              <a:rPr lang="en-US" smtClean="0"/>
-              <a:t>CS@UVa</a:t>
-            </a:r>
-            <a:endParaRPr lang="en-US"/>
-          </a:p>
-        </p:txBody>
-      </p:sp>
-      <p:sp>
-        <p:nvSpPr>
-          <p:cNvPr id="7" name="Footer Placeholder 6"/>
-          <p:cNvSpPr>
-            <a:spLocks noGrp="1"/>
-          </p:cNvSpPr>
-          <p:nvPr>
-            <p:ph type="ftr" sz="quarter" idx="11"/>
-          </p:nvPr>
-        </p:nvSpPr>
-        <p:spPr/>
-        <p:txBody>
-          <a:bodyPr/>
-          <a:lstStyle/>
-          <a:p>
-            <a:r>
-              <a:rPr lang="en-US" smtClean="0"/>
-              <a:t>CS6501: Information Retrieval</a:t>
-            </a:r>
-            <a:endParaRPr lang="en-US"/>
-          </a:p>
-        </p:txBody>
-      </p:sp>
-      <p:sp>
-        <p:nvSpPr>
-          <p:cNvPr id="8" name="Slide Number Placeholder 7"/>
-          <p:cNvSpPr>
-            <a:spLocks noGrp="1"/>
-          </p:cNvSpPr>
-          <p:nvPr>
-            <p:ph type="sldNum" sz="quarter" idx="12"/>
-          </p:nvPr>
-        </p:nvSpPr>
-        <p:spPr/>
-        <p:txBody>
-          <a:bodyPr/>
-          <a:lstStyle/>
-          <a:p>
-            <a:fld id="{8B73B576-4618-475D-9FCB-4FE0D483ACFE}" type="slidenum">
-              <a:rPr lang="en-US" smtClean="0"/>
-              <a:t>3</a:t>
-            </a:fld>
-            <a:endParaRPr lang="en-US"/>
-          </a:p>
-        </p:txBody>
-      </p:sp>
-    </p:spTree>
-    <p:extLst>
-      <p:ext uri="{BB962C8B-B14F-4D97-AF65-F5344CB8AC3E}">
-        <p14:creationId xmlns:p14="http://schemas.microsoft.com/office/powerpoint/2010/main" val="2163962128"/>
-      </p:ext>
-    </p:extLst>
-  </p:cSld>
-  <p:clrMapOvr>
-    <a:masterClrMapping/>
-  </p:clrMapOvr>
-</p:sld>
-</file>
-
-<file path=ppt/slides/slide4.xml><?xml version="1.0" encoding="utf-8"?>
-<p:sld xmlns:a="http://schemas.openxmlformats.org/drawingml/2006/main" xmlns:r="http://schemas.openxmlformats.org/officeDocument/2006/relationships" xmlns:p="http://schemas.openxmlformats.org/presentationml/2006/main">
-  <p:cSld>
-    <p:spTree>
-      <p:nvGrpSpPr>
-        <p:cNvPr id="1" name=""/>
-        <p:cNvGrpSpPr/>
-        <p:nvPr/>
-      </p:nvGrpSpPr>
-      <p:grpSpPr>
-        <a:xfrm>
-          <a:off x="0" y="0"/>
-          <a:ext cx="0" cy="0"/>
-          <a:chOff x="0" y="0"/>
-          <a:chExt cx="0" cy="0"/>
-        </a:xfrm>
-      </p:grpSpPr>
-      <p:sp>
-        <p:nvSpPr>
-          <p:cNvPr id="2" name="Title 1"/>
-          <p:cNvSpPr>
-            <a:spLocks noGrp="1"/>
-          </p:cNvSpPr>
-          <p:nvPr>
-            <p:ph type="title"/>
-          </p:nvPr>
-        </p:nvSpPr>
-        <p:spPr/>
-        <p:txBody>
-          <a:bodyPr/>
-          <a:lstStyle/>
-          <a:p>
-            <a:r>
-              <a:rPr lang="en-US" dirty="0" smtClean="0"/>
-              <a:t>Grading policy</a:t>
-            </a:r>
-            <a:endParaRPr lang="en-US" dirty="0"/>
-          </a:p>
-        </p:txBody>
-      </p:sp>
-      <p:sp>
-        <p:nvSpPr>
-          <p:cNvPr id="3" name="Content Placeholder 2"/>
-          <p:cNvSpPr>
-            <a:spLocks noGrp="1"/>
-          </p:cNvSpPr>
-          <p:nvPr>
-            <p:ph idx="1"/>
-          </p:nvPr>
-        </p:nvSpPr>
-        <p:spPr>
-          <a:xfrm>
-            <a:off x="457200" y="1600200"/>
-            <a:ext cx="8229600" cy="4800600"/>
-          </a:xfrm>
-        </p:spPr>
-        <p:txBody>
-          <a:bodyPr>
-            <a:normAutofit/>
-          </a:bodyPr>
-          <a:lstStyle/>
-          <a:p>
-            <a:r>
-              <a:rPr lang="en-US" dirty="0" smtClean="0"/>
-              <a:t>Homework (25%)</a:t>
-            </a:r>
-          </a:p>
-          <a:p>
-            <a:pPr lvl="1"/>
-            <a:r>
-              <a:rPr lang="en-US" dirty="0" smtClean="0"/>
-              <a:t>Machine </a:t>
-            </a:r>
-            <a:r>
-              <a:rPr lang="en-US" dirty="0" smtClean="0"/>
-              <a:t>problems </a:t>
-            </a:r>
-            <a:r>
-              <a:rPr lang="en-US" dirty="0" smtClean="0"/>
-              <a:t>(~4)</a:t>
-            </a:r>
-            <a:endParaRPr lang="en-US" dirty="0" smtClean="0"/>
-          </a:p>
-          <a:p>
-            <a:r>
-              <a:rPr lang="en-US" dirty="0" smtClean="0"/>
-              <a:t>Midterm (25%)</a:t>
-            </a:r>
-          </a:p>
-          <a:p>
-            <a:r>
-              <a:rPr lang="en-US" dirty="0" smtClean="0"/>
-              <a:t>Paper presentation (15%)</a:t>
-            </a:r>
-          </a:p>
-          <a:p>
-            <a:pPr lvl="1"/>
-            <a:r>
-              <a:rPr lang="en-US" dirty="0" smtClean="0"/>
-              <a:t>Graded by peer-review</a:t>
-            </a:r>
-          </a:p>
-          <a:p>
-            <a:r>
-              <a:rPr lang="en-US" dirty="0" smtClean="0"/>
-              <a:t>Course project (40%)</a:t>
-            </a:r>
-          </a:p>
-          <a:p>
-            <a:pPr lvl="1"/>
-            <a:r>
-              <a:rPr lang="en-US" dirty="0" smtClean="0"/>
-              <a:t>Research/development-oriented</a:t>
-            </a:r>
-          </a:p>
-          <a:p>
-            <a:pPr lvl="1"/>
-            <a:r>
-              <a:rPr lang="en-US" dirty="0" smtClean="0"/>
-              <a:t>Work in group</a:t>
-            </a:r>
-            <a:endParaRPr lang="en-US" dirty="0"/>
-          </a:p>
-        </p:txBody>
-      </p:sp>
-      <p:sp>
-        <p:nvSpPr>
-          <p:cNvPr id="6" name="Date Placeholder 5"/>
-          <p:cNvSpPr>
-            <a:spLocks noGrp="1"/>
-          </p:cNvSpPr>
-          <p:nvPr>
-            <p:ph type="dt" sz="half" idx="10"/>
-          </p:nvPr>
-        </p:nvSpPr>
-        <p:spPr/>
-        <p:txBody>
-          <a:bodyPr/>
-          <a:lstStyle/>
-          <a:p>
-            <a:r>
-              <a:rPr lang="en-US" smtClean="0"/>
-              <a:t>CS@UVa</a:t>
-            </a:r>
-            <a:endParaRPr lang="en-US"/>
-          </a:p>
-        </p:txBody>
-      </p:sp>
-      <p:sp>
-        <p:nvSpPr>
-          <p:cNvPr id="7" name="Footer Placeholder 6"/>
-          <p:cNvSpPr>
-            <a:spLocks noGrp="1"/>
-          </p:cNvSpPr>
-          <p:nvPr>
-            <p:ph type="ftr" sz="quarter" idx="11"/>
-          </p:nvPr>
-        </p:nvSpPr>
-        <p:spPr/>
-        <p:txBody>
-          <a:bodyPr/>
-          <a:lstStyle/>
-          <a:p>
-            <a:r>
-              <a:rPr lang="en-US" smtClean="0"/>
-              <a:t>CS6501: Information Retrieval</a:t>
-            </a:r>
-            <a:endParaRPr lang="en-US"/>
-          </a:p>
-        </p:txBody>
-      </p:sp>
-      <p:sp>
-        <p:nvSpPr>
-          <p:cNvPr id="8" name="Slide Number Placeholder 7"/>
-          <p:cNvSpPr>
-            <a:spLocks noGrp="1"/>
-          </p:cNvSpPr>
-          <p:nvPr>
-            <p:ph type="sldNum" sz="quarter" idx="12"/>
-          </p:nvPr>
-        </p:nvSpPr>
-        <p:spPr/>
-        <p:txBody>
-          <a:bodyPr/>
-          <a:lstStyle/>
-          <a:p>
-            <a:fld id="{8B73B576-4618-475D-9FCB-4FE0D483ACFE}" type="slidenum">
-              <a:rPr lang="en-US" smtClean="0"/>
-              <a:t>4</a:t>
-            </a:fld>
-            <a:endParaRPr lang="en-US"/>
-          </a:p>
-        </p:txBody>
-      </p:sp>
-    </p:spTree>
-    <p:extLst>
-      <p:ext uri="{BB962C8B-B14F-4D97-AF65-F5344CB8AC3E}">
-        <p14:creationId xmlns:p14="http://schemas.microsoft.com/office/powerpoint/2010/main" val="3589947367"/>
-      </p:ext>
-    </p:extLst>
-  </p:cSld>
-  <p:clrMapOvr>
-    <a:masterClrMapping/>
-  </p:clrMapOvr>
-</p:sld>
-</file>
-
-<file path=ppt/slides/slide5.xml><?xml version="1.0" encoding="utf-8"?>
-<p:sld xmlns:a="http://schemas.openxmlformats.org/drawingml/2006/main" xmlns:r="http://schemas.openxmlformats.org/officeDocument/2006/relationships" xmlns:p="http://schemas.openxmlformats.org/presentationml/2006/main">
-  <p:cSld>
-    <p:spTree>
-      <p:nvGrpSpPr>
-        <p:cNvPr id="1" name=""/>
-        <p:cNvGrpSpPr/>
-        <p:nvPr/>
-      </p:nvGrpSpPr>
-      <p:grpSpPr>
-        <a:xfrm>
-          <a:off x="0" y="0"/>
-          <a:ext cx="0" cy="0"/>
-          <a:chOff x="0" y="0"/>
-          <a:chExt cx="0" cy="0"/>
-        </a:xfrm>
-      </p:grpSpPr>
-      <p:sp>
-        <p:nvSpPr>
-          <p:cNvPr id="2" name="Title 1"/>
-          <p:cNvSpPr>
-            <a:spLocks noGrp="1"/>
-          </p:cNvSpPr>
-          <p:nvPr>
-            <p:ph type="title"/>
-          </p:nvPr>
-        </p:nvSpPr>
-        <p:spPr/>
-        <p:txBody>
-          <a:bodyPr/>
-          <a:lstStyle/>
-          <a:p>
-            <a:r>
-              <a:rPr lang="en-US" dirty="0" smtClean="0"/>
               <a:t>Prerequisite</a:t>
             </a:r>
             <a:endParaRPr lang="en-US" dirty="0"/>
@@ -4451,19 +4811,14 @@
         </p:spPr>
         <p:txBody>
           <a:bodyPr>
-            <a:normAutofit fontScale="85000" lnSpcReduction="20000"/>
+            <a:normAutofit fontScale="77500" lnSpcReduction="20000"/>
           </a:bodyPr>
           <a:lstStyle/>
           <a:p>
             <a:r>
               <a:rPr lang="en-US" dirty="0" smtClean="0"/>
-              <a:t>Programming </a:t>
-            </a:r>
-            <a:r>
-              <a:rPr lang="en-US" dirty="0" smtClean="0"/>
-              <a:t>skills – Important!</a:t>
-            </a:r>
-            <a:endParaRPr lang="en-US" dirty="0" smtClean="0"/>
+              <a:t>Programming skills – Important!</a:t>
+            </a:r>
           </a:p>
           <a:p>
             <a:pPr lvl="1"/>
@@ -4483,54 +4838,45 @@
           <a:p>
             <a:pPr lvl="1"/>
             <a:r>
-              <a:rPr lang="en-US" dirty="0" smtClean="0"/>
-              <a:t>Java is required for </a:t>
-            </a:r>
-            <a:r>
-              <a:rPr lang="en-US" dirty="0" smtClean="0"/>
-              <a:t>machine </a:t>
-            </a:r>
-            <a:r>
-              <a:rPr lang="en-US" dirty="0" smtClean="0"/>
-              <a:t>problems</a:t>
+              <a:rPr lang="en-US" b="1" u="sng" dirty="0" smtClean="0"/>
+              <a:t>Java</a:t>
+            </a:r>
+            <a:r>
+              <a:rPr lang="en-US" dirty="0" smtClean="0"/>
+              <a:t> is required for machine problems</a:t>
             </a:r>
           </a:p>
           <a:p>
             <a:pPr lvl="2"/>
             <a:r>
               <a:rPr lang="en-US" dirty="0" smtClean="0"/>
-              <a:t>Most open source packages are </a:t>
-            </a:r>
-            <a:r>
-              <a:rPr lang="en-US" dirty="0" smtClean="0"/>
-              <a:t>written in Java</a:t>
+              <a:t>Most open source packages are written in Java</a:t>
             </a:r>
           </a:p>
           <a:p>
             <a:pPr lvl="1"/>
             <a:r>
               <a:rPr lang="en-US" dirty="0" smtClean="0"/>
-              <a:t>Any language you choose for the rest of this </a:t>
-            </a:r>
-            <a:r>
-              <a:rPr lang="en-US" dirty="0" smtClean="0"/>
-              <a:t>course</a:t>
-            </a:r>
-          </a:p>
-          <a:p>
-            <a:r>
-              <a:rPr lang="en-US" dirty="0" smtClean="0"/>
-              <a:t>Math </a:t>
-            </a:r>
-            <a:r>
-              <a:rPr lang="en-US" dirty="0" smtClean="0"/>
-              <a:t>background</a:t>
+              <a:t>Any language you choose for the rest of this course</a:t>
             </a:r>
           </a:p>
           <a:p>
             <a:pPr lvl="1"/>
             <a:r>
               <a:rPr lang="en-US" dirty="0" smtClean="0"/>
+              <a:t>Linux system!</a:t>
+            </a:r>
+          </a:p>
+          <a:p>
+            <a:r>
+              <a:rPr lang="en-US" dirty="0" smtClean="0"/>
+              <a:t>Math background</a:t>
+            </a:r>
+          </a:p>
+          <a:p>
+            <a:pPr lvl="1"/>
+            <a:r>
+              <a:rPr lang="en-US" dirty="0" smtClean="0"/>
               <a:t>Probability</a:t>
             </a:r>
           </a:p>
@@ -4538,15 +4884,7 @@
             <a:pPr lvl="2"/>
             <a:r>
               <a:rPr lang="en-US" dirty="0" smtClean="0"/>
-              <a:t>discrete/continuous </a:t>
-            </a:r>
-            <a:r>
-              <a:rPr lang="en-US" dirty="0" smtClean="0"/>
-              <a:t>distributions, expectation</a:t>
-            </a:r>
-            <a:r>
-              <a:rPr lang="en-US" dirty="0" smtClean="0"/>
-              <a:t>, moments</a:t>
+              <a:t>Discrete/continuous distributions, expectation, moments</a:t>
             </a:r>
           </a:p>
           <a:p>
@@ -4560,11 +4898,7 @@
             <a:pPr lvl="2"/>
             <a:r>
               <a:rPr lang="en-US" dirty="0" smtClean="0"/>
-              <a:t>Vector, matrix, dot </a:t>
-            </a:r>
-            <a:r>
-              <a:rPr lang="en-US" dirty="0" smtClean="0"/>
-              <a:t>product</a:t>
+              <a:t>Vector, matrix, dot product</a:t>
             </a:r>
           </a:p>
           <a:p>
@@ -4624,7 +4958,7 @@
           <a:p>
             <a:r>
               <a:rPr lang="en-US" smtClean="0"/>
-              <a:t>CS6501: Information Retrieval</a:t>
+              <a:t>CS4501: Information Retrieval</a:t>
             </a:r>
             <a:endParaRPr lang="en-US"/>
           </a:p>
@@ -4647,7 +4981,7 @@
           <a:p>
             <a:fld id="{8B73B576-4618-475D-9FCB-4FE0D483ACFE}" type="slidenum">
               <a:rPr lang="en-US" smtClean="0"/>
-              <a:t>5</a:t>
+              <a:t>3</a:t>
             </a:fld>
             <a:endParaRPr lang="en-US"/>
           </a:p>
@@ -4656,7 +4990,7 @@
     </p:spTree>
     <p:extLst>
       <p:ext uri="{BB962C8B-B14F-4D97-AF65-F5344CB8AC3E}">
-        <p14:creationId xmlns:p14="http://schemas.microsoft.com/office/powerpoint/2010/main" val="848611308"/>
+        <p14:creationId xmlns:p14="http://schemas.microsoft.com/office/powerpoint/2010/main" val="3193395613"/>
       </p:ext>
     </p:extLst>
   </p:cSld>
@@ -4702,7 +5036,7 @@
                                         <p:tgtEl>
                                           <p:spTgt spid="3">
                                             <p:txEl>
-                                              <p:pRg st="6" end="6"/>
+                                              <p:pRg st="7" end="7"/>
                                             </p:txEl>
                                           </p:spTgt>
                                         </p:tgtEl>
@@ -4733,7 +5067,7 @@
                                         <p:tgtEl>
                                           <p:spTgt spid="3">
                                             <p:txEl>
-                                              <p:pRg st="7" end="7"/>
+                                              <p:pRg st="8" end="8"/>
                                             </p:txEl>
                                           </p:spTgt>
                                         </p:tgtEl>
@@ -4764,7 +5098,7 @@
                                         <p:tgtEl>
                                           <p:spTgt spid="3">
                                             <p:txEl>
-                                              <p:pRg st="8" end="8"/>
+                                              <p:pRg st="9" end="9"/>
                                             </p:txEl>
                                           </p:spTgt>
                                         </p:tgtEl>
@@ -4795,7 +5129,7 @@
                                         <p:tgtEl>
                                           <p:spTgt spid="3">
                                             <p:txEl>
-                                              <p:pRg st="9" end="9"/>
+                                              <p:pRg st="10" end="10"/>
                                             </p:txEl>
                                           </p:spTgt>
                                         </p:tgtEl>
@@ -4826,7 +5160,7 @@
                                         <p:tgtEl>
                                           <p:spTgt spid="3">
                                             <p:txEl>
-                                              <p:pRg st="10" end="10"/>
+                                              <p:pRg st="11" end="11"/>
                                             </p:txEl>
                                           </p:spTgt>
                                         </p:tgtEl>
@@ -4857,7 +5191,7 @@
                                         <p:tgtEl>
                                           <p:spTgt spid="3">
                                             <p:txEl>
-                                              <p:pRg st="11" end="11"/>
+                                              <p:pRg st="12" end="12"/>
                                             </p:txEl>
                                           </p:spTgt>
                                         </p:tgtEl>
@@ -4903,6 +5237,891 @@
 </p:sld>
 </file>
 
+<file path=ppt/slides/slide4.xml><?xml version="1.0" encoding="utf-8"?>
+<p:sld xmlns:a="http://schemas.openxmlformats.org/drawingml/2006/main" xmlns:r="http://schemas.openxmlformats.org/officeDocument/2006/relationships" xmlns:p="http://schemas.openxmlformats.org/presentationml/2006/main">
+  <p:cSld>
+    <p:spTree>
+      <p:nvGrpSpPr>
+        <p:cNvPr id="1" name=""/>
+        <p:cNvGrpSpPr/>
+        <p:nvPr/>
+      </p:nvGrpSpPr>
+      <p:grpSpPr>
+        <a:xfrm>
+          <a:off x="0" y="0"/>
+          <a:ext cx="0" cy="0"/>
+          <a:chOff x="0" y="0"/>
+          <a:chExt cx="0" cy="0"/>
+        </a:xfrm>
+      </p:grpSpPr>
+      <p:sp>
+        <p:nvSpPr>
+          <p:cNvPr id="2" name="Title 1"/>
+          <p:cNvSpPr>
+            <a:spLocks noGrp="1"/>
+          </p:cNvSpPr>
+          <p:nvPr>
+            <p:ph type="title"/>
+          </p:nvPr>
+        </p:nvSpPr>
+        <p:spPr/>
+        <p:txBody>
+          <a:bodyPr/>
+          <a:lstStyle/>
+          <a:p>
+            <a:r>
+              <a:rPr lang="en-US" dirty="0" smtClean="0"/>
+              <a:t>Structure of this course</a:t>
+            </a:r>
+            <a:endParaRPr lang="en-US" dirty="0"/>
+          </a:p>
+        </p:txBody>
+      </p:sp>
+      <p:sp>
+        <p:nvSpPr>
+          <p:cNvPr id="3" name="Content Placeholder 2"/>
+          <p:cNvSpPr>
+            <a:spLocks noGrp="1"/>
+          </p:cNvSpPr>
+          <p:nvPr>
+            <p:ph idx="1"/>
+          </p:nvPr>
+        </p:nvSpPr>
+        <p:spPr/>
+        <p:txBody>
+          <a:bodyPr/>
+          <a:lstStyle/>
+          <a:p>
+            <a:r>
+              <a:rPr lang="en-US" dirty="0" smtClean="0"/>
+              <a:t>Lecture based</a:t>
+            </a:r>
+          </a:p>
+          <a:p>
+            <a:pPr lvl="1"/>
+            <a:r>
+              <a:rPr lang="en-US" dirty="0" smtClean="0"/>
+              <a:t>Six major topics will be covered </a:t>
+            </a:r>
+          </a:p>
+          <a:p>
+            <a:pPr lvl="2"/>
+            <a:r>
+              <a:rPr lang="en-US" dirty="0" smtClean="0"/>
+              <a:t>E.g., Search engine architecture, retrieval models, search evaluation, relevance feedback, link analysis, and IR applications </a:t>
+            </a:r>
+          </a:p>
+          <a:p>
+            <a:pPr lvl="1"/>
+            <a:r>
+              <a:rPr lang="en-US" dirty="0" smtClean="0"/>
+              <a:t>Introduce state-of-the-art large-scale document processing techniques</a:t>
+            </a:r>
+          </a:p>
+          <a:p>
+            <a:pPr lvl="2"/>
+            <a:r>
+              <a:rPr lang="en-US" dirty="0" smtClean="0"/>
+              <a:t>E.g., </a:t>
+            </a:r>
+            <a:r>
+              <a:rPr lang="en-US" dirty="0" err="1" smtClean="0"/>
+              <a:t>MapReduce</a:t>
+            </a:r>
+            <a:r>
+              <a:rPr lang="en-US" dirty="0" smtClean="0"/>
+              <a:t> framework, Apache Spark and </a:t>
+            </a:r>
+            <a:r>
+              <a:rPr lang="en-US" dirty="0" err="1" smtClean="0"/>
+              <a:t>GraphLab</a:t>
+            </a:r>
+            <a:endParaRPr lang="en-US" dirty="0" smtClean="0"/>
+          </a:p>
+          <a:p>
+            <a:pPr lvl="1"/>
+            <a:endParaRPr lang="en-US" dirty="0"/>
+          </a:p>
+        </p:txBody>
+      </p:sp>
+      <p:sp>
+        <p:nvSpPr>
+          <p:cNvPr id="6" name="Date Placeholder 5"/>
+          <p:cNvSpPr>
+            <a:spLocks noGrp="1"/>
+          </p:cNvSpPr>
+          <p:nvPr>
+            <p:ph type="dt" sz="half" idx="10"/>
+          </p:nvPr>
+        </p:nvSpPr>
+        <p:spPr/>
+        <p:txBody>
+          <a:bodyPr/>
+          <a:lstStyle/>
+          <a:p>
+            <a:r>
+              <a:rPr lang="en-US" smtClean="0"/>
+              <a:t>CS@UVa</a:t>
+            </a:r>
+            <a:endParaRPr lang="en-US"/>
+          </a:p>
+        </p:txBody>
+      </p:sp>
+      <p:sp>
+        <p:nvSpPr>
+          <p:cNvPr id="7" name="Footer Placeholder 6"/>
+          <p:cNvSpPr>
+            <a:spLocks noGrp="1"/>
+          </p:cNvSpPr>
+          <p:nvPr>
+            <p:ph type="ftr" sz="quarter" idx="11"/>
+          </p:nvPr>
+        </p:nvSpPr>
+        <p:spPr/>
+        <p:txBody>
+          <a:bodyPr/>
+          <a:lstStyle/>
+          <a:p>
+            <a:r>
+              <a:rPr lang="en-US" smtClean="0"/>
+              <a:t>CS4501: Information Retrieval</a:t>
+            </a:r>
+            <a:endParaRPr lang="en-US"/>
+          </a:p>
+        </p:txBody>
+      </p:sp>
+      <p:sp>
+        <p:nvSpPr>
+          <p:cNvPr id="8" name="Slide Number Placeholder 7"/>
+          <p:cNvSpPr>
+            <a:spLocks noGrp="1"/>
+          </p:cNvSpPr>
+          <p:nvPr>
+            <p:ph type="sldNum" sz="quarter" idx="12"/>
+          </p:nvPr>
+        </p:nvSpPr>
+        <p:spPr/>
+        <p:txBody>
+          <a:bodyPr/>
+          <a:lstStyle/>
+          <a:p>
+            <a:fld id="{8B73B576-4618-475D-9FCB-4FE0D483ACFE}" type="slidenum">
+              <a:rPr lang="en-US" smtClean="0"/>
+              <a:t>4</a:t>
+            </a:fld>
+            <a:endParaRPr lang="en-US"/>
+          </a:p>
+        </p:txBody>
+      </p:sp>
+    </p:spTree>
+    <p:extLst>
+      <p:ext uri="{BB962C8B-B14F-4D97-AF65-F5344CB8AC3E}">
+        <p14:creationId xmlns:p14="http://schemas.microsoft.com/office/powerpoint/2010/main" val="2163962128"/>
+      </p:ext>
+    </p:extLst>
+  </p:cSld>
+  <p:clrMapOvr>
+    <a:masterClrMapping/>
+  </p:clrMapOvr>
+  <p:timing>
+    <p:tnLst>
+      <p:par>
+        <p:cTn id="1" dur="indefinite" restart="never" nodeType="tmRoot"/>
+      </p:par>
+    </p:tnLst>
+  </p:timing>
+</p:sld>
+</file>
+
+<file path=ppt/slides/slide5.xml><?xml version="1.0" encoding="utf-8"?>
+<p:sld xmlns:a="http://schemas.openxmlformats.org/drawingml/2006/main" xmlns:r="http://schemas.openxmlformats.org/officeDocument/2006/relationships" xmlns:p="http://schemas.openxmlformats.org/presentationml/2006/main">
+  <p:cSld>
+    <p:spTree>
+      <p:nvGrpSpPr>
+        <p:cNvPr id="1" name=""/>
+        <p:cNvGrpSpPr/>
+        <p:nvPr/>
+      </p:nvGrpSpPr>
+      <p:grpSpPr>
+        <a:xfrm>
+          <a:off x="0" y="0"/>
+          <a:ext cx="0" cy="0"/>
+          <a:chOff x="0" y="0"/>
+          <a:chExt cx="0" cy="0"/>
+        </a:xfrm>
+      </p:grpSpPr>
+      <p:sp>
+        <p:nvSpPr>
+          <p:cNvPr id="2" name="Title 1"/>
+          <p:cNvSpPr>
+            <a:spLocks noGrp="1"/>
+          </p:cNvSpPr>
+          <p:nvPr>
+            <p:ph type="title"/>
+          </p:nvPr>
+        </p:nvSpPr>
+        <p:spPr/>
+        <p:txBody>
+          <a:bodyPr/>
+          <a:lstStyle/>
+          <a:p>
+            <a:r>
+              <a:rPr lang="en-US" dirty="0" smtClean="0"/>
+              <a:t>Grading policy</a:t>
+            </a:r>
+            <a:endParaRPr lang="en-US" dirty="0"/>
+          </a:p>
+        </p:txBody>
+      </p:sp>
+      <p:sp>
+        <p:nvSpPr>
+          <p:cNvPr id="3" name="Content Placeholder 2"/>
+          <p:cNvSpPr>
+            <a:spLocks noGrp="1"/>
+          </p:cNvSpPr>
+          <p:nvPr>
+            <p:ph idx="1"/>
+          </p:nvPr>
+        </p:nvSpPr>
+        <p:spPr>
+          <a:xfrm>
+            <a:off x="457200" y="1600200"/>
+            <a:ext cx="8229600" cy="4800600"/>
+          </a:xfrm>
+        </p:spPr>
+        <p:txBody>
+          <a:bodyPr>
+            <a:normAutofit lnSpcReduction="10000"/>
+          </a:bodyPr>
+          <a:lstStyle/>
+          <a:p>
+            <a:r>
+              <a:rPr lang="en-US" dirty="0" smtClean="0"/>
+              <a:t>Homework (55%)</a:t>
+            </a:r>
+          </a:p>
+          <a:p>
+            <a:pPr lvl="1"/>
+            <a:r>
+              <a:rPr lang="en-US" dirty="0" smtClean="0"/>
+              <a:t>Written assignments (~2)</a:t>
+            </a:r>
+          </a:p>
+          <a:p>
+            <a:pPr lvl="1"/>
+            <a:r>
+              <a:rPr lang="en-US" dirty="0" smtClean="0"/>
+              <a:t>Machine problems (~4)</a:t>
+            </a:r>
+          </a:p>
+          <a:p>
+            <a:r>
+              <a:rPr lang="en-US" dirty="0" smtClean="0"/>
+              <a:t>Midterm exam (25%)</a:t>
+            </a:r>
+          </a:p>
+          <a:p>
+            <a:pPr lvl="1"/>
+            <a:r>
+              <a:rPr lang="en-US" dirty="0" smtClean="0"/>
+              <a:t>One week before Thanksgiving break</a:t>
+            </a:r>
+          </a:p>
+          <a:p>
+            <a:r>
+              <a:rPr lang="en-US" dirty="0" smtClean="0"/>
+              <a:t>Option A: final exam (25%)</a:t>
+            </a:r>
+          </a:p>
+          <a:p>
+            <a:pPr lvl="1"/>
+            <a:r>
+              <a:rPr lang="en-US" dirty="0" smtClean="0"/>
+              <a:t>In the exam week</a:t>
+            </a:r>
+          </a:p>
+          <a:p>
+            <a:r>
+              <a:rPr lang="en-US" dirty="0" smtClean="0"/>
+              <a:t>Option B: course project (25%)</a:t>
+            </a:r>
+          </a:p>
+          <a:p>
+            <a:pPr lvl="1"/>
+            <a:r>
+              <a:rPr lang="en-US" dirty="0" smtClean="0"/>
+              <a:t>Explain later</a:t>
+            </a:r>
+            <a:endParaRPr lang="en-US" dirty="0"/>
+          </a:p>
+        </p:txBody>
+      </p:sp>
+      <p:sp>
+        <p:nvSpPr>
+          <p:cNvPr id="6" name="Date Placeholder 5"/>
+          <p:cNvSpPr>
+            <a:spLocks noGrp="1"/>
+          </p:cNvSpPr>
+          <p:nvPr>
+            <p:ph type="dt" sz="half" idx="10"/>
+          </p:nvPr>
+        </p:nvSpPr>
+        <p:spPr/>
+        <p:txBody>
+          <a:bodyPr/>
+          <a:lstStyle/>
+          <a:p>
+            <a:r>
+              <a:rPr lang="en-US" smtClean="0"/>
+              <a:t>CS@UVa</a:t>
+            </a:r>
+            <a:endParaRPr lang="en-US"/>
+          </a:p>
+        </p:txBody>
+      </p:sp>
+      <p:sp>
+        <p:nvSpPr>
+          <p:cNvPr id="7" name="Footer Placeholder 6"/>
+          <p:cNvSpPr>
+            <a:spLocks noGrp="1"/>
+          </p:cNvSpPr>
+          <p:nvPr>
+            <p:ph type="ftr" sz="quarter" idx="11"/>
+          </p:nvPr>
+        </p:nvSpPr>
+        <p:spPr/>
+        <p:txBody>
+          <a:bodyPr/>
+          <a:lstStyle/>
+          <a:p>
+            <a:r>
+              <a:rPr lang="en-US" smtClean="0"/>
+              <a:t>CS4501: Information Retrieval</a:t>
+            </a:r>
+            <a:endParaRPr lang="en-US"/>
+          </a:p>
+        </p:txBody>
+      </p:sp>
+      <p:sp>
+        <p:nvSpPr>
+          <p:cNvPr id="8" name="Slide Number Placeholder 7"/>
+          <p:cNvSpPr>
+            <a:spLocks noGrp="1"/>
+          </p:cNvSpPr>
+          <p:nvPr>
+            <p:ph type="sldNum" sz="quarter" idx="12"/>
+          </p:nvPr>
+        </p:nvSpPr>
+        <p:spPr/>
+        <p:txBody>
+          <a:bodyPr/>
+          <a:lstStyle/>
+          <a:p>
+            <a:fld id="{8B73B576-4618-475D-9FCB-4FE0D483ACFE}" type="slidenum">
+              <a:rPr lang="en-US" smtClean="0"/>
+              <a:t>5</a:t>
+            </a:fld>
+            <a:endParaRPr lang="en-US"/>
+          </a:p>
+        </p:txBody>
+      </p:sp>
+      <p:grpSp>
+        <p:nvGrpSpPr>
+          <p:cNvPr id="14" name="Group 13"/>
+          <p:cNvGrpSpPr/>
+          <p:nvPr/>
+        </p:nvGrpSpPr>
+        <p:grpSpPr>
+          <a:xfrm>
+            <a:off x="5638800" y="3246901"/>
+            <a:ext cx="3124200" cy="2137998"/>
+            <a:chOff x="5638800" y="3246901"/>
+            <a:chExt cx="3124200" cy="2137998"/>
+          </a:xfrm>
+        </p:grpSpPr>
+        <p:grpSp>
+          <p:nvGrpSpPr>
+            <p:cNvPr id="13" name="Group 12"/>
+            <p:cNvGrpSpPr/>
+            <p:nvPr/>
+          </p:nvGrpSpPr>
+          <p:grpSpPr>
+            <a:xfrm>
+              <a:off x="5638800" y="4343400"/>
+              <a:ext cx="3124200" cy="1041499"/>
+              <a:chOff x="5638800" y="4343400"/>
+              <a:chExt cx="3124200" cy="1041499"/>
+            </a:xfrm>
+          </p:grpSpPr>
+          <p:sp>
+            <p:nvSpPr>
+              <p:cNvPr id="4" name="TextBox 3"/>
+              <p:cNvSpPr txBox="1"/>
+              <p:nvPr/>
+            </p:nvSpPr>
+            <p:spPr>
+              <a:xfrm>
+                <a:off x="6781800" y="4343400"/>
+                <a:ext cx="1981200" cy="923330"/>
+              </a:xfrm>
+              <a:prstGeom prst="rect">
+                <a:avLst/>
+              </a:prstGeom>
+              <a:noFill/>
+            </p:spPr>
+            <p:txBody>
+              <a:bodyPr wrap="square" rtlCol="0">
+                <a:spAutoFit/>
+              </a:bodyPr>
+              <a:lstStyle/>
+              <a:p>
+                <a:r>
+                  <a:rPr lang="en-US" b="1" i="1" dirty="0" smtClean="0">
+                    <a:solidFill>
+                      <a:srgbClr val="FF0000"/>
+                    </a:solidFill>
+                  </a:rPr>
+                  <a:t>fairness will be guaranteed by the instructor</a:t>
+                </a:r>
+                <a:endParaRPr lang="en-US" b="1" i="1" dirty="0">
+                  <a:solidFill>
+                    <a:srgbClr val="FF0000"/>
+                  </a:solidFill>
+                </a:endParaRPr>
+              </a:p>
+            </p:txBody>
+          </p:sp>
+          <p:cxnSp>
+            <p:nvCxnSpPr>
+              <p:cNvPr id="9" name="Straight Arrow Connector 8"/>
+              <p:cNvCxnSpPr/>
+              <p:nvPr/>
+            </p:nvCxnSpPr>
+            <p:spPr>
+              <a:xfrm>
+                <a:off x="5638800" y="4343400"/>
+                <a:ext cx="1066800" cy="381000"/>
+              </a:xfrm>
+              <a:prstGeom prst="straightConnector1">
+                <a:avLst/>
+              </a:prstGeom>
+              <a:ln w="19050">
+                <a:solidFill>
+                  <a:srgbClr val="FF0000"/>
+                </a:solidFill>
+                <a:tailEnd type="triangle"/>
+              </a:ln>
+            </p:spPr>
+            <p:style>
+              <a:lnRef idx="1">
+                <a:schemeClr val="accent1"/>
+              </a:lnRef>
+              <a:fillRef idx="0">
+                <a:schemeClr val="accent1"/>
+              </a:fillRef>
+              <a:effectRef idx="0">
+                <a:schemeClr val="accent1"/>
+              </a:effectRef>
+              <a:fontRef idx="minor">
+                <a:schemeClr val="tx1"/>
+              </a:fontRef>
+            </p:style>
+          </p:cxnSp>
+          <p:cxnSp>
+            <p:nvCxnSpPr>
+              <p:cNvPr id="10" name="Straight Arrow Connector 9"/>
+              <p:cNvCxnSpPr/>
+              <p:nvPr/>
+            </p:nvCxnSpPr>
+            <p:spPr>
+              <a:xfrm flipV="1">
+                <a:off x="6019800" y="4853533"/>
+                <a:ext cx="685800" cy="531366"/>
+              </a:xfrm>
+              <a:prstGeom prst="straightConnector1">
+                <a:avLst/>
+              </a:prstGeom>
+              <a:ln w="19050">
+                <a:solidFill>
+                  <a:srgbClr val="FF0000"/>
+                </a:solidFill>
+                <a:tailEnd type="triangle"/>
+              </a:ln>
+            </p:spPr>
+            <p:style>
+              <a:lnRef idx="1">
+                <a:schemeClr val="accent1"/>
+              </a:lnRef>
+              <a:fillRef idx="0">
+                <a:schemeClr val="accent1"/>
+              </a:fillRef>
+              <a:effectRef idx="0">
+                <a:schemeClr val="accent1"/>
+              </a:effectRef>
+              <a:fontRef idx="minor">
+                <a:schemeClr val="tx1"/>
+              </a:fontRef>
+            </p:style>
+          </p:cxnSp>
+        </p:grpSp>
+        <p:pic>
+          <p:nvPicPr>
+            <p:cNvPr id="1026" name="Picture 2" descr="http://www.mergersandinquisitions.com/wp-content/uploads/2011/01/fairness_opinions.jpg"/>
+            <p:cNvPicPr>
+              <a:picLocks noChangeAspect="1" noChangeArrowheads="1"/>
+            </p:cNvPicPr>
+            <p:nvPr/>
+          </p:nvPicPr>
+          <p:blipFill>
+            <a:blip r:embed="rId2" cstate="print">
+              <a:extLst>
+                <a:ext uri="{28A0092B-C50C-407E-A947-70E740481C1C}">
+                  <a14:useLocalDpi xmlns:a14="http://schemas.microsoft.com/office/drawing/2010/main" val="0"/>
+                </a:ext>
+              </a:extLst>
+            </a:blip>
+            <a:srcRect/>
+            <a:stretch>
+              <a:fillRect/>
+            </a:stretch>
+          </p:blipFill>
+          <p:spPr bwMode="auto">
+            <a:xfrm>
+              <a:off x="7620000" y="3246901"/>
+              <a:ext cx="1022350" cy="1019404"/>
+            </a:xfrm>
+            <a:prstGeom prst="rect">
+              <a:avLst/>
+            </a:prstGeom>
+            <a:noFill/>
+            <a:extLst>
+              <a:ext uri="{909E8E84-426E-40DD-AFC4-6F175D3DCCD1}">
+                <a14:hiddenFill xmlns:a14="http://schemas.microsoft.com/office/drawing/2010/main">
+                  <a:solidFill>
+                    <a:srgbClr val="FFFFFF"/>
+                  </a:solidFill>
+                </a14:hiddenFill>
+              </a:ext>
+            </a:extLst>
+          </p:spPr>
+        </p:pic>
+      </p:grpSp>
+      <p:sp>
+        <p:nvSpPr>
+          <p:cNvPr id="15" name="TextBox 14"/>
+          <p:cNvSpPr txBox="1"/>
+          <p:nvPr/>
+        </p:nvSpPr>
+        <p:spPr>
+          <a:xfrm>
+            <a:off x="5334000" y="1627536"/>
+            <a:ext cx="3657600" cy="461665"/>
+          </a:xfrm>
+          <a:prstGeom prst="rect">
+            <a:avLst/>
+          </a:prstGeom>
+          <a:noFill/>
+        </p:spPr>
+        <p:txBody>
+          <a:bodyPr wrap="square" rtlCol="0">
+            <a:spAutoFit/>
+          </a:bodyPr>
+          <a:lstStyle/>
+          <a:p>
+            <a:r>
+              <a:rPr lang="en-US" sz="2400" b="1" i="1" dirty="0" smtClean="0">
+                <a:solidFill>
+                  <a:srgbClr val="FF0000"/>
+                </a:solidFill>
+              </a:rPr>
+              <a:t>No curving will be applied!</a:t>
+            </a:r>
+            <a:endParaRPr lang="en-US" sz="2400" b="1" i="1" dirty="0">
+              <a:solidFill>
+                <a:srgbClr val="FF0000"/>
+              </a:solidFill>
+            </a:endParaRPr>
+          </a:p>
+        </p:txBody>
+      </p:sp>
+    </p:spTree>
+    <p:extLst>
+      <p:ext uri="{BB962C8B-B14F-4D97-AF65-F5344CB8AC3E}">
+        <p14:creationId xmlns:p14="http://schemas.microsoft.com/office/powerpoint/2010/main" val="3589947367"/>
+      </p:ext>
+    </p:extLst>
+  </p:cSld>
+  <p:clrMapOvr>
+    <a:masterClrMapping/>
+  </p:clrMapOvr>
+  <p:timing>
+    <p:tnLst>
+      <p:par>
+        <p:cTn id="1" dur="indefinite" restart="never" nodeType="tmRoot">
+          <p:childTnLst>
+            <p:seq concurrent="1" nextAc="seek">
+              <p:cTn id="2" dur="indefinite" nodeType="mainSeq">
+                <p:childTnLst>
+                  <p:par>
+                    <p:cTn id="3" fill="hold">
+                      <p:stCondLst>
+                        <p:cond delay="indefinite"/>
+                      </p:stCondLst>
+                      <p:childTnLst>
+                        <p:par>
+                          <p:cTn id="4" fill="hold">
+                            <p:stCondLst>
+                              <p:cond delay="0"/>
+                            </p:stCondLst>
+                            <p:childTnLst>
+                              <p:par>
+                                <p:cTn id="5" presetID="1" presetClass="entr" presetSubtype="0" fill="hold" nodeType="clickEffect">
+                                  <p:stCondLst>
+                                    <p:cond delay="0"/>
+                                  </p:stCondLst>
+                                  <p:childTnLst>
+                                    <p:set>
+                                      <p:cBhvr>
+                                        <p:cTn id="6" dur="1" fill="hold">
+                                          <p:stCondLst>
+                                            <p:cond delay="0"/>
+                                          </p:stCondLst>
+                                        </p:cTn>
+                                        <p:tgtEl>
+                                          <p:spTgt spid="3">
+                                            <p:txEl>
+                                              <p:pRg st="5" end="5"/>
+                                            </p:txEl>
+                                          </p:spTgt>
+                                        </p:tgtEl>
+                                        <p:attrNameLst>
+                                          <p:attrName>style.visibility</p:attrName>
+                                        </p:attrNameLst>
+                                      </p:cBhvr>
+                                      <p:to>
+                                        <p:strVal val="visible"/>
+                                      </p:to>
+                                    </p:set>
+                                  </p:childTnLst>
+                                </p:cTn>
+                              </p:par>
+                              <p:par>
+                                <p:cTn id="7" presetID="1" presetClass="entr" presetSubtype="0" fill="hold" nodeType="withEffect">
+                                  <p:stCondLst>
+                                    <p:cond delay="0"/>
+                                  </p:stCondLst>
+                                  <p:childTnLst>
+                                    <p:set>
+                                      <p:cBhvr>
+                                        <p:cTn id="8" dur="1" fill="hold">
+                                          <p:stCondLst>
+                                            <p:cond delay="0"/>
+                                          </p:stCondLst>
+                                        </p:cTn>
+                                        <p:tgtEl>
+                                          <p:spTgt spid="3">
+                                            <p:txEl>
+                                              <p:pRg st="6" end="6"/>
+                                            </p:txEl>
+                                          </p:spTgt>
+                                        </p:tgtEl>
+                                        <p:attrNameLst>
+                                          <p:attrName>style.visibility</p:attrName>
+                                        </p:attrNameLst>
+                                      </p:cBhvr>
+                                      <p:to>
+                                        <p:strVal val="visible"/>
+                                      </p:to>
+                                    </p:set>
+                                  </p:childTnLst>
+                                </p:cTn>
+                              </p:par>
+                              <p:par>
+                                <p:cTn id="9" presetID="1" presetClass="entr" presetSubtype="0" fill="hold" nodeType="withEffect">
+                                  <p:stCondLst>
+                                    <p:cond delay="0"/>
+                                  </p:stCondLst>
+                                  <p:childTnLst>
+                                    <p:set>
+                                      <p:cBhvr>
+                                        <p:cTn id="10" dur="1" fill="hold">
+                                          <p:stCondLst>
+                                            <p:cond delay="0"/>
+                                          </p:stCondLst>
+                                        </p:cTn>
+                                        <p:tgtEl>
+                                          <p:spTgt spid="3">
+                                            <p:txEl>
+                                              <p:pRg st="7" end="7"/>
+                                            </p:txEl>
+                                          </p:spTgt>
+                                        </p:tgtEl>
+                                        <p:attrNameLst>
+                                          <p:attrName>style.visibility</p:attrName>
+                                        </p:attrNameLst>
+                                      </p:cBhvr>
+                                      <p:to>
+                                        <p:strVal val="visible"/>
+                                      </p:to>
+                                    </p:set>
+                                  </p:childTnLst>
+                                </p:cTn>
+                              </p:par>
+                              <p:par>
+                                <p:cTn id="11" presetID="1" presetClass="entr" presetSubtype="0" fill="hold" nodeType="withEffect">
+                                  <p:stCondLst>
+                                    <p:cond delay="0"/>
+                                  </p:stCondLst>
+                                  <p:childTnLst>
+                                    <p:set>
+                                      <p:cBhvr>
+                                        <p:cTn id="12" dur="1" fill="hold">
+                                          <p:stCondLst>
+                                            <p:cond delay="0"/>
+                                          </p:stCondLst>
+                                        </p:cTn>
+                                        <p:tgtEl>
+                                          <p:spTgt spid="3">
+                                            <p:txEl>
+                                              <p:pRg st="8" end="8"/>
+                                            </p:txEl>
+                                          </p:spTgt>
+                                        </p:tgtEl>
+                                        <p:attrNameLst>
+                                          <p:attrName>style.visibility</p:attrName>
+                                        </p:attrNameLst>
+                                      </p:cBhvr>
+                                      <p:to>
+                                        <p:strVal val="visible"/>
+                                      </p:to>
+                                    </p:set>
+                                  </p:childTnLst>
+                                </p:cTn>
+                              </p:par>
+                            </p:childTnLst>
+                          </p:cTn>
+                        </p:par>
+                      </p:childTnLst>
+                    </p:cTn>
+                  </p:par>
+                  <p:par>
+                    <p:cTn id="13" fill="hold">
+                      <p:stCondLst>
+                        <p:cond delay="indefinite"/>
+                      </p:stCondLst>
+                      <p:childTnLst>
+                        <p:par>
+                          <p:cTn id="14" fill="hold">
+                            <p:stCondLst>
+                              <p:cond delay="0"/>
+                            </p:stCondLst>
+                            <p:childTnLst>
+                              <p:par>
+                                <p:cTn id="15" presetID="1" presetClass="entr" presetSubtype="0" fill="hold" nodeType="clickEffect">
+                                  <p:stCondLst>
+                                    <p:cond delay="0"/>
+                                  </p:stCondLst>
+                                  <p:childTnLst>
+                                    <p:set>
+                                      <p:cBhvr>
+                                        <p:cTn id="16" dur="1" fill="hold">
+                                          <p:stCondLst>
+                                            <p:cond delay="0"/>
+                                          </p:stCondLst>
+                                        </p:cTn>
+                                        <p:tgtEl>
+                                          <p:spTgt spid="14"/>
+                                        </p:tgtEl>
+                                        <p:attrNameLst>
+                                          <p:attrName>style.visibility</p:attrName>
+                                        </p:attrNameLst>
+                                      </p:cBhvr>
+                                      <p:to>
+                                        <p:strVal val="visible"/>
+                                      </p:to>
+                                    </p:set>
+                                  </p:childTnLst>
+                                </p:cTn>
+                              </p:par>
+                            </p:childTnLst>
+                          </p:cTn>
+                        </p:par>
+                      </p:childTnLst>
+                    </p:cTn>
+                  </p:par>
+                  <p:par>
+                    <p:cTn id="17" fill="hold">
+                      <p:stCondLst>
+                        <p:cond delay="indefinite"/>
+                      </p:stCondLst>
+                      <p:childTnLst>
+                        <p:par>
+                          <p:cTn id="18" fill="hold">
+                            <p:stCondLst>
+                              <p:cond delay="0"/>
+                            </p:stCondLst>
+                            <p:childTnLst>
+                              <p:par>
+                                <p:cTn id="19" presetID="1" presetClass="entr" presetSubtype="0" fill="hold" grpId="0" nodeType="clickEffect">
+                                  <p:stCondLst>
+                                    <p:cond delay="0"/>
+                                  </p:stCondLst>
+                                  <p:childTnLst>
+                                    <p:set>
+                                      <p:cBhvr>
+                                        <p:cTn id="20" dur="1" fill="hold">
+                                          <p:stCondLst>
+                                            <p:cond delay="0"/>
+                                          </p:stCondLst>
+                                        </p:cTn>
+                                        <p:tgtEl>
+                                          <p:spTgt spid="15"/>
+                                        </p:tgtEl>
+                                        <p:attrNameLst>
+                                          <p:attrName>style.visibility</p:attrName>
+                                        </p:attrNameLst>
+                                      </p:cBhvr>
+                                      <p:to>
+                                        <p:strVal val="visible"/>
+                                      </p:to>
+                                    </p:set>
+                                  </p:childTnLst>
+                                </p:cTn>
+                              </p:par>
+                            </p:childTnLst>
+                          </p:cTn>
+                        </p:par>
+                      </p:childTnLst>
+                    </p:cTn>
+                  </p:par>
+                </p:childTnLst>
+              </p:cTn>
+              <p:prevCondLst>
+                <p:cond evt="onPrev" delay="0">
+                  <p:tgtEl>
+                    <p:sldTgt/>
+                  </p:tgtEl>
+                </p:cond>
+              </p:prevCondLst>
+              <p:nextCondLst>
+                <p:cond evt="onNext" delay="0">
+                  <p:tgtEl>
+                    <p:sldTgt/>
+                  </p:tgtEl>
+                </p:cond>
+              </p:nextCondLst>
+            </p:seq>
+          </p:childTnLst>
+        </p:cTn>
+      </p:par>
+    </p:tnLst>
+    <p:bldLst>
+      <p:bldP spid="15" grpId="0"/>
+    </p:bldLst>
+  </p:timing>
+</p:sld>
+</file>
+
 <file path=ppt/slides/slide6.xml><?xml version="1.0" encoding="utf-8"?>
 <p:sld xmlns:a="http://schemas.openxmlformats.org/drawingml/2006/main" xmlns:r="http://schemas.openxmlformats.org/officeDocument/2006/relationships" xmlns:p="http://schemas.openxmlformats.org/presentationml/2006/main">
   <p:cSld>
@@ -4937,7 +6156,7 @@
           <a:p>
             <a:r>
               <a:rPr lang="en-US" dirty="0" smtClean="0"/>
-              <a:t>Paper presentation</a:t>
+              <a:t>Course project</a:t>
             </a:r>
             <a:endParaRPr lang="en-US" dirty="0"/>
           </a:p>
@@ -4955,62 +6174,73 @@
         </p:nvSpPr>
         <p:spPr/>
         <p:txBody>
-          <a:bodyPr>
-            <a:normAutofit/>
-          </a:bodyPr>
-          <a:lstStyle/>
-          <a:p>
-            <a:r>
-              <a:rPr lang="en-US" dirty="0" smtClean="0"/>
-              <a:t>Let students present the state-of-the-art IR research</a:t>
+          <a:bodyPr/>
+          <a:lstStyle/>
+          <a:p>
+            <a:r>
+              <a:rPr lang="en-US" dirty="0" smtClean="0"/>
+              <a:t>Graduate students</a:t>
             </a:r>
           </a:p>
           <a:p>
             <a:pPr lvl="1"/>
             <a:r>
-              <a:rPr lang="en-US" dirty="0"/>
-              <a:t>Choosing from recommended </a:t>
-            </a:r>
-            <a:r>
-              <a:rPr lang="en-US" dirty="0" smtClean="0"/>
-              <a:t>readings, or your favorite paper outside the list</a:t>
+              <a:rPr lang="en-US" u="sng" dirty="0" smtClean="0"/>
+              <a:t>Required</a:t>
+            </a:r>
+            <a:r>
+              <a:rPr lang="en-US" dirty="0" smtClean="0"/>
+              <a:t>, as a replacement of final exam</a:t>
             </a:r>
           </a:p>
           <a:p>
             <a:pPr lvl="1"/>
             <a:r>
               <a:rPr lang="en-US" dirty="0" smtClean="0"/>
-              <a:t>10-mins presentation + 2-mins Q&amp;A</a:t>
+              <a:t>Topics</a:t>
+            </a:r>
+          </a:p>
+          <a:p>
+            <a:pPr lvl="2"/>
+            <a:r>
+              <a:rPr lang="en-US" dirty="0" smtClean="0"/>
+              <a:t>Implement algorithms in assigned research papers</a:t>
+            </a:r>
+          </a:p>
+          <a:p>
+            <a:pPr lvl="2"/>
+            <a:r>
+              <a:rPr lang="en-US" dirty="0" smtClean="0"/>
+              <a:t>Self-selected topics with permission from the instructor</a:t>
+            </a:r>
+          </a:p>
+          <a:p>
+            <a:pPr lvl="1"/>
+            <a:r>
+              <a:rPr lang="en-US" dirty="0" smtClean="0"/>
+              <a:t>Evaluation</a:t>
+            </a:r>
+          </a:p>
+          <a:p>
+            <a:pPr lvl="2"/>
+            <a:r>
+              <a:rPr lang="en-US" dirty="0" smtClean="0"/>
+              <a:t>10-minutes in-class presentation (50%)</a:t>
+            </a:r>
+          </a:p>
+          <a:p>
+            <a:pPr lvl="2"/>
+            <a:r>
+              <a:rPr lang="en-US" dirty="0" smtClean="0"/>
+              <a:t>Written report (50%)</a:t>
             </a:r>
             <a:endParaRPr lang="en-US" dirty="0"/>
           </a:p>
-          <a:p>
-            <a:pPr lvl="1"/>
-            <a:r>
-              <a:rPr lang="en-US" dirty="0" smtClean="0"/>
-              <a:t>One paper one student </a:t>
-            </a:r>
-          </a:p>
-          <a:p>
-            <a:pPr lvl="1"/>
-            <a:r>
-              <a:rPr lang="en-US" dirty="0" smtClean="0"/>
-              <a:t>Register your choice early, first come first serve</a:t>
-            </a:r>
-          </a:p>
-          <a:p>
-            <a:pPr lvl="1"/>
-            <a:r>
-              <a:rPr lang="en-US" dirty="0" smtClean="0"/>
-              <a:t>Will be graded by the instructor and other students </a:t>
-            </a:r>
-            <a:endParaRPr lang="en-US" dirty="0"/>
-          </a:p>
-        </p:txBody>
-      </p:sp>
-      <p:sp>
-        <p:nvSpPr>
-          <p:cNvPr id="6" name="Date Placeholder 5"/>
+        </p:txBody>
+      </p:sp>
+      <p:sp>
+        <p:nvSpPr>
+          <p:cNvPr id="4" name="Date Placeholder 3"/>
           <p:cNvSpPr>
             <a:spLocks noGrp="1"/>
           </p:cNvSpPr>
@@ -5033,7 +6263,7 @@
       </p:sp>
       <p:sp>
         <p:nvSpPr>
-          <p:cNvPr id="7" name="Footer Placeholder 6"/>
+          <p:cNvPr id="5" name="Footer Placeholder 4"/>
           <p:cNvSpPr>
             <a:spLocks noGrp="1"/>
           </p:cNvSpPr>
@@ -5048,15 +6278,15 @@
           <a:p>
             <a:r>
               <a:rPr lang="en-US" smtClean="0"/>
-              <a:t>CS6501: Information Retrieval</a:t>
-            </a:r>
-            <a:endParaRPr lang="en-US"/>
-          </a:p>
-        </p:txBody>
-      </p:sp>
-      <p:sp>
-        <p:nvSpPr>
-          <p:cNvPr id="8" name="Slide Number Placeholder 7"/>
+              <a:t>CS4501: Information Retrieval</a:t>
+            </a:r>
+            <a:endParaRPr lang="en-US"/>
+          </a:p>
+        </p:txBody>
+      </p:sp>
+      <p:sp>
+        <p:nvSpPr>
+          <p:cNvPr id="6" name="Slide Number Placeholder 5"/>
           <p:cNvSpPr>
             <a:spLocks noGrp="1"/>
           </p:cNvSpPr>
@@ -5080,7 +6310,7 @@
     </p:spTree>
     <p:extLst>
       <p:ext uri="{BB962C8B-B14F-4D97-AF65-F5344CB8AC3E}">
-        <p14:creationId xmlns:p14="http://schemas.microsoft.com/office/powerpoint/2010/main" val="124379478"/>
+        <p14:creationId xmlns:p14="http://schemas.microsoft.com/office/powerpoint/2010/main" val="775240970"/>
       </p:ext>
     </p:extLst>
   </p:cSld>
@@ -5149,116 +6379,73 @@
         </p:nvSpPr>
         <p:spPr/>
         <p:txBody>
-          <a:bodyPr>
-            <a:normAutofit fontScale="92500" lnSpcReduction="10000"/>
-          </a:bodyPr>
-          <a:lstStyle/>
-          <a:p>
-            <a:r>
-              <a:rPr lang="en-US" dirty="0" smtClean="0"/>
-              <a:t>Appreciate research-oriented </a:t>
-            </a:r>
-            <a:r>
-              <a:rPr lang="en-US" dirty="0"/>
-              <a:t>problems or </a:t>
-            </a:r>
-            <a:r>
-              <a:rPr lang="en-US" dirty="0" smtClean="0"/>
-              <a:t>“deliverables”</a:t>
+          <a:bodyPr/>
+          <a:lstStyle/>
+          <a:p>
+            <a:r>
+              <a:rPr lang="en-US" dirty="0" smtClean="0"/>
+              <a:t>Undergraduate students</a:t>
             </a:r>
           </a:p>
           <a:p>
             <a:pPr lvl="1"/>
             <a:r>
-              <a:rPr lang="en-US" dirty="0" smtClean="0"/>
-              <a:t>Work in groups (</a:t>
-            </a:r>
-            <a:r>
-              <a:rPr lang="en-US" i="1" dirty="0" smtClean="0"/>
-              <a:t>not required</a:t>
-            </a:r>
-            <a:r>
-              <a:rPr lang="en-US" dirty="0" smtClean="0"/>
-              <a:t>)</a:t>
+              <a:rPr lang="en-US" u="sng" dirty="0" smtClean="0"/>
+              <a:t>Optional</a:t>
+            </a:r>
+            <a:r>
+              <a:rPr lang="en-US" dirty="0" smtClean="0"/>
+              <a:t> for those who have excellent performance in the midterm exam</a:t>
             </a:r>
           </a:p>
           <a:p>
             <a:pPr lvl="1"/>
             <a:r>
-              <a:rPr lang="en-US" dirty="0"/>
-              <a:t>Project </a:t>
-            </a:r>
-            <a:r>
-              <a:rPr lang="en-US" dirty="0" smtClean="0"/>
-              <a:t>proposal (20%)</a:t>
+              <a:rPr lang="en-US" dirty="0" smtClean="0"/>
+              <a:t>Topics</a:t>
             </a:r>
           </a:p>
           <a:p>
             <a:pPr lvl="2"/>
             <a:r>
               <a:rPr lang="en-US" dirty="0" smtClean="0"/>
-              <a:t>Discuss your topic with peers or the instructor</a:t>
+              <a:t>Implement algorithms in assigned research papers</a:t>
             </a:r>
           </a:p>
           <a:p>
             <a:pPr lvl="2"/>
             <a:r>
               <a:rPr lang="en-US" dirty="0" smtClean="0"/>
-              <a:t>Written report</a:t>
+              <a:t>Self-selected topics with permission from the instructor</a:t>
             </a:r>
           </a:p>
           <a:p>
             <a:pPr lvl="1"/>
             <a:r>
-              <a:rPr lang="en-US" dirty="0"/>
-              <a:t>Project </a:t>
-            </a:r>
-            <a:r>
-              <a:rPr lang="en-US" dirty="0" smtClean="0"/>
-              <a:t>report (40%)</a:t>
+              <a:rPr lang="en-US" dirty="0" smtClean="0"/>
+              <a:t>Evaluation</a:t>
             </a:r>
           </a:p>
           <a:p>
             <a:pPr lvl="2"/>
             <a:r>
               <a:rPr lang="en-US" dirty="0" smtClean="0"/>
-              <a:t>Due before final presentation</a:t>
-            </a:r>
-          </a:p>
-          <a:p>
-            <a:pPr lvl="1"/>
-            <a:r>
-              <a:rPr lang="en-US" dirty="0" smtClean="0"/>
-              <a:t>Project presentation (40%)</a:t>
+              <a:t>10-minutes in-class presentation (50%)</a:t>
             </a:r>
           </a:p>
           <a:p>
             <a:pPr lvl="2"/>
             <a:r>
               <a:rPr lang="en-US" dirty="0" smtClean="0"/>
-              <a:t>15-mins </a:t>
-            </a:r>
-            <a:r>
-              <a:rPr lang="en-US" dirty="0" smtClean="0"/>
-              <a:t>in-class presentation</a:t>
-            </a:r>
-          </a:p>
-          <a:p>
-            <a:pPr lvl="2"/>
-            <a:r>
-              <a:rPr lang="en-US" dirty="0" smtClean="0"/>
-              <a:t>5-mins Q&amp;A</a:t>
-            </a:r>
-          </a:p>
-          <a:p>
-            <a:pPr lvl="1"/>
+              <a:t>Written report (50%)</a:t>
+            </a:r>
             <a:endParaRPr lang="en-US" dirty="0"/>
           </a:p>
         </p:txBody>
       </p:sp>
       <p:sp>
         <p:nvSpPr>
-          <p:cNvPr id="6" name="Date Placeholder 5"/>
+          <p:cNvPr id="4" name="Date Placeholder 3"/>
           <p:cNvSpPr>
             <a:spLocks noGrp="1"/>
           </p:cNvSpPr>
@@ -5281,7 +6468,7 @@
       </p:sp>
       <p:sp>
         <p:nvSpPr>
-          <p:cNvPr id="7" name="Footer Placeholder 6"/>
+          <p:cNvPr id="5" name="Footer Placeholder 4"/>
           <p:cNvSpPr>
             <a:spLocks noGrp="1"/>
           </p:cNvSpPr>
@@ -5296,15 +6483,15 @@
           <a:p>
             <a:r>
               <a:rPr lang="en-US" smtClean="0"/>
-              <a:t>CS6501: Information Retrieval</a:t>
-            </a:r>
-            <a:endParaRPr lang="en-US"/>
-          </a:p>
-        </p:txBody>
-      </p:sp>
-      <p:sp>
-        <p:nvSpPr>
-          <p:cNvPr id="8" name="Slide Number Placeholder 7"/>
+              <a:t>CS4501: Information Retrieval</a:t>
+            </a:r>
+            <a:endParaRPr lang="en-US"/>
+          </a:p>
+        </p:txBody>
+      </p:sp>
+      <p:sp>
+        <p:nvSpPr>
+          <p:cNvPr id="6" name="Slide Number Placeholder 5"/>
           <p:cNvSpPr>
             <a:spLocks noGrp="1"/>
           </p:cNvSpPr>
@@ -5328,7 +6515,7 @@
     </p:spTree>
     <p:extLst>
       <p:ext uri="{BB962C8B-B14F-4D97-AF65-F5344CB8AC3E}">
-        <p14:creationId xmlns:p14="http://schemas.microsoft.com/office/powerpoint/2010/main" val="1790905027"/>
+        <p14:creationId xmlns:p14="http://schemas.microsoft.com/office/powerpoint/2010/main" val="3399265841"/>
       </p:ext>
     </p:extLst>
   </p:cSld>
@@ -5403,7 +6590,7 @@
         </p:spPr>
         <p:txBody>
           <a:bodyPr>
-            <a:normAutofit fontScale="92500" lnSpcReduction="10000"/>
+            <a:normAutofit lnSpcReduction="10000"/>
           </a:bodyPr>
           <a:lstStyle/>
           <a:p>
@@ -5416,58 +6603,38 @@
             <a:pPr lvl="1"/>
             <a:r>
               <a:rPr lang="en-US" dirty="0" smtClean="0"/>
-              <a:t>Everyone will have one chance to ask for extension (extra three days after deadline)</a:t>
-            </a:r>
-          </a:p>
-          <a:p>
-            <a:r>
-              <a:rPr lang="en-US" dirty="0" smtClean="0"/>
-              <a:t>Midterm</a:t>
+              <a:t>Submit via Collab (no extension</a:t>
+            </a:r>
+            <a:r>
+              <a:rPr lang="en-US" dirty="0" smtClean="0"/>
+              <a:t>)</a:t>
             </a:r>
           </a:p>
           <a:p>
             <a:pPr lvl="1"/>
             <a:r>
               <a:rPr lang="en-US" dirty="0" smtClean="0"/>
+              <a:t>Late penalty: 15%, two weeks after the due date; 50%, afterwards</a:t>
+            </a:r>
+            <a:endParaRPr lang="en-US" dirty="0" smtClean="0"/>
+          </a:p>
+          <a:p>
+            <a:r>
+              <a:rPr lang="en-US" dirty="0" smtClean="0"/>
+              <a:t>Midterm/Final exams</a:t>
+            </a:r>
+          </a:p>
+          <a:p>
+            <a:pPr lvl="1"/>
+            <a:r>
+              <a:rPr lang="en-US" dirty="0" smtClean="0"/>
               <a:t>No make-up exams unless under emergency situation</a:t>
             </a:r>
           </a:p>
           <a:p>
             <a:r>
               <a:rPr lang="en-US" dirty="0" smtClean="0"/>
-              <a:t>Paper presentation</a:t>
-            </a:r>
-          </a:p>
-          <a:p>
-            <a:pPr lvl="1"/>
-            <a:r>
-              <a:rPr lang="en-US" dirty="0" smtClean="0"/>
-              <a:t>Must be presented on your selected date</a:t>
-            </a:r>
-          </a:p>
-          <a:p>
-            <a:r>
-              <a:rPr lang="en-US" dirty="0"/>
-              <a:t>Course </a:t>
-            </a:r>
-            <a:r>
-              <a:rPr lang="en-US" dirty="0" smtClean="0"/>
-              <a:t>project</a:t>
-            </a:r>
-          </a:p>
-          <a:p>
-            <a:pPr lvl="1"/>
-            <a:r>
-              <a:rPr lang="en-US" dirty="0" smtClean="0"/>
-              <a:t>Proposal due early in the semester (~5</a:t>
-            </a:r>
-            <a:r>
-              <a:rPr lang="en-US" baseline="30000" dirty="0" smtClean="0"/>
-              <a:t>th</a:t>
-            </a:r>
-            <a:r>
-              <a:rPr lang="en-US" dirty="0" smtClean="0"/>
-              <a:t> week)</a:t>
+              <a:t>Course project</a:t>
             </a:r>
           </a:p>
           <a:p>
@@ -5523,7 +6690,7 @@
           <a:p>
             <a:r>
               <a:rPr lang="en-US" smtClean="0"/>
-              <a:t>CS6501: Information Retrieval</a:t>
+              <a:t>CS4501: Information Retrieval</a:t>
             </a:r>
             <a:endParaRPr lang="en-US"/>
           </a:p>
@@ -5589,6 +6756,47 @@
           <a:chExt cx="0" cy="0"/>
         </a:xfrm>
       </p:grpSpPr>
+      <p:pic>
+        <p:nvPicPr>
+          <p:cNvPr id="2050" name="Picture 2" descr="https://s-media-cache-ak0.pinimg.com/236x/bd/71/92/bd7192d842f692d51546f689e4783552.jpg"/>
+          <p:cNvPicPr>
+            <a:picLocks noChangeAspect="1" noChangeArrowheads="1"/>
+          </p:cNvPicPr>
+          <p:nvPr/>
+        </p:nvPicPr>
+        <p:blipFill>
+          <a:blip r:embed="rId2">
+            <a:extLst>
+              <a:ext uri="{28A0092B-C50C-407E-A947-70E740481C1C}">
+                <a14:useLocalDpi xmlns:a14="http://schemas.microsoft.com/office/drawing/2010/main" val="0"/>
+              </a:ext>
+            </a:extLst>
+          </a:blip>
+          <a:srcRect/>
+          <a:stretch>
+            <a:fillRect/>
+          </a:stretch>
+        </p:blipFill>
+        <p:spPr bwMode="auto">
+          <a:xfrm>
+            <a:off x="3035300" y="3363382"/>
+            <a:ext cx="3009900" cy="3009901"/>
+          </a:xfrm>
+          <a:prstGeom prst="rect">
+            <a:avLst/>
+          </a:prstGeom>
+          <a:noFill/>
+          <a:extLst>
+            <a:ext uri="{909E8E84-426E-40DD-AFC4-6F175D3DCCD1}">
+              <a14:hiddenFill xmlns:a14="http://schemas.microsoft.com/office/drawing/2010/main">
+                <a:solidFill>
+                  <a:srgbClr val="FFFFFF"/>
+                </a:solidFill>
+              </a14:hiddenFill>
+            </a:ext>
+          </a:extLst>
+        </p:spPr>
+      </p:pic>
       <p:sp>
         <p:nvSpPr>
           <p:cNvPr id="2" name="Title 1"/>
@@ -5606,7 +6814,7 @@
           <a:p>
             <a:r>
               <a:rPr lang="en-US" dirty="0" smtClean="0"/>
-              <a:t>Contact information</a:t>
+              <a:t>Classroom participation</a:t>
             </a:r>
             <a:endParaRPr lang="en-US" dirty="0"/>
           </a:p>
@@ -5622,161 +6830,53 @@
             <p:ph idx="1"/>
           </p:nvPr>
         </p:nvSpPr>
-        <p:spPr>
-          <a:xfrm>
-            <a:off x="457200" y="1600200"/>
-            <a:ext cx="8229600" cy="4756150"/>
-          </a:xfrm>
-        </p:spPr>
-        <p:txBody>
-          <a:bodyPr>
-            <a:normAutofit fontScale="85000" lnSpcReduction="20000"/>
-          </a:bodyPr>
-          <a:lstStyle/>
-          <a:p>
-            <a:r>
-              <a:rPr lang="en-US" dirty="0" smtClean="0"/>
-              <a:t>Lecture </a:t>
+        <p:spPr/>
+        <p:txBody>
+          <a:bodyPr/>
+          <a:lstStyle/>
+          <a:p>
+            <a:r>
+              <a:rPr lang="en-US" dirty="0"/>
+              <a:t>HIGHLY APPRECIATED</a:t>
+            </a:r>
+            <a:r>
+              <a:rPr lang="en-US" dirty="0" smtClean="0"/>
+              <a:t>!</a:t>
             </a:r>
           </a:p>
           <a:p>
             <a:pPr lvl="1"/>
             <a:r>
               <a:rPr lang="en-US" dirty="0" smtClean="0"/>
-              <a:t>Instructor: </a:t>
-            </a:r>
-            <a:r>
-              <a:rPr lang="en-US" dirty="0" err="1" smtClean="0"/>
-              <a:t>Hongning</a:t>
-            </a:r>
-            <a:r>
-              <a:rPr lang="en-US" dirty="0" smtClean="0"/>
-              <a:t> Wang</a:t>
+              <a:t>Helps me quickly remember your names</a:t>
             </a:r>
           </a:p>
           <a:p>
             <a:pPr lvl="1"/>
             <a:r>
               <a:rPr lang="en-US" dirty="0" smtClean="0"/>
-              <a:t>Time: Tuesday/Thursday 9:30am to 10:45am</a:t>
+              <a:t>Reminds me what is still confusing </a:t>
             </a:r>
           </a:p>
           <a:p>
             <a:pPr lvl="1"/>
             <a:r>
               <a:rPr lang="en-US" dirty="0" smtClean="0"/>
-              <a:t>Location: </a:t>
-            </a:r>
-            <a:r>
-              <a:rPr lang="en-US" dirty="0"/>
-              <a:t>Rice Hall </a:t>
-            </a:r>
-            <a:r>
-              <a:rPr lang="en-US" dirty="0" smtClean="0"/>
-              <a:t>340</a:t>
-            </a:r>
-          </a:p>
-          <a:p>
-            <a:r>
-              <a:rPr lang="en-US" dirty="0" smtClean="0"/>
-              <a:t>Office hour</a:t>
+              <a:t>You can drive the lecture/discussion in this class!</a:t>
             </a:r>
           </a:p>
           <a:p>
             <a:pPr lvl="1"/>
-            <a:r>
-              <a:rPr lang="en-US" dirty="0" smtClean="0"/>
-              <a:t>Instructor’s</a:t>
-            </a:r>
-          </a:p>
-          <a:p>
-            <a:pPr lvl="2"/>
-            <a:r>
-              <a:rPr lang="en-US" dirty="0" smtClean="0"/>
-              <a:t>Time</a:t>
-            </a:r>
-            <a:r>
-              <a:rPr lang="en-US" dirty="0"/>
-              <a:t>: </a:t>
-            </a:r>
-            <a:r>
-              <a:rPr lang="en-US" dirty="0" smtClean="0"/>
-              <a:t>Thursday 11am </a:t>
-            </a:r>
-            <a:r>
-              <a:rPr lang="en-US" dirty="0"/>
-              <a:t>to </a:t>
-            </a:r>
-            <a:r>
-              <a:rPr lang="en-US" dirty="0" smtClean="0"/>
-              <a:t>12pm</a:t>
-            </a:r>
+            <a:endParaRPr lang="en-US" dirty="0" smtClean="0"/>
+          </a:p>
+          <a:p>
             <a:endParaRPr lang="en-US" dirty="0"/>
           </a:p>
-          <a:p>
-            <a:pPr lvl="2"/>
-            <a:r>
-              <a:rPr lang="en-US" dirty="0"/>
-              <a:t>Location: </a:t>
-            </a:r>
-            <a:r>
-              <a:rPr lang="en-US" dirty="0" smtClean="0"/>
-              <a:t>Rice Hall 408</a:t>
-            </a:r>
-          </a:p>
-          <a:p>
-            <a:r>
-              <a:rPr lang="en-US" dirty="0" smtClean="0"/>
-              <a:t>Course </a:t>
-            </a:r>
-            <a:r>
-              <a:rPr lang="en-US" dirty="0" smtClean="0"/>
-              <a:t>website</a:t>
-            </a:r>
-          </a:p>
-          <a:p>
-            <a:pPr lvl="1"/>
-            <a:r>
-              <a:rPr lang="en-US" dirty="0"/>
-              <a:t>Website: </a:t>
-            </a:r>
-            <a:r>
-              <a:rPr lang="en-US" dirty="0">
-                <a:hlinkClick r:id="rId2"/>
-              </a:rPr>
-              <a:t>http://www.cs.virginia.edu/~hw5x/Course/Text-Mining-2015-Spring/_</a:t>
-            </a:r>
-            <a:r>
-              <a:rPr lang="en-US" dirty="0" smtClean="0">
-                <a:hlinkClick r:id="rId2"/>
-              </a:rPr>
-              <a:t>site</a:t>
-            </a:r>
-            <a:endParaRPr lang="en-US" dirty="0" smtClean="0"/>
-          </a:p>
-          <a:p>
-            <a:pPr lvl="1"/>
-            <a:r>
-              <a:rPr lang="en-US" dirty="0" smtClean="0"/>
-              <a:t>Piazza</a:t>
-            </a:r>
-            <a:r>
-              <a:rPr lang="en-US" dirty="0" smtClean="0"/>
-              <a:t>: </a:t>
-            </a:r>
-            <a:r>
-              <a:rPr lang="en-US" dirty="0">
-                <a:hlinkClick r:id="rId3"/>
-              </a:rPr>
-              <a:t>https://piazza.com/class/i3zaobi7ivhlx</a:t>
-            </a:r>
-            <a:endParaRPr lang="en-US" dirty="0"/>
-          </a:p>
-        </p:txBody>
-      </p:sp>
-      <p:sp>
-        <p:nvSpPr>
-          <p:cNvPr id="6" name="Date Placeholder 5"/>
+        </p:txBody>
+      </p:sp>
+      <p:sp>
+        <p:nvSpPr>
+          <p:cNvPr id="4" name="Date Placeholder 3"/>
           <p:cNvSpPr>
             <a:spLocks noGrp="1"/>
           </p:cNvSpPr>
@@ -5799,7 +6899,7 @@
       </p:sp>
       <p:sp>
         <p:nvSpPr>
-          <p:cNvPr id="7" name="Footer Placeholder 6"/>
+          <p:cNvPr id="5" name="Footer Placeholder 4"/>
           <p:cNvSpPr>
             <a:spLocks noGrp="1"/>
           </p:cNvSpPr>
@@ -5814,15 +6914,15 @@
           <a:p>
             <a:r>
               <a:rPr lang="en-US" smtClean="0"/>
-              <a:t>CS6501: Information Retrieval</a:t>
-            </a:r>
-            <a:endParaRPr lang="en-US"/>
-          </a:p>
-        </p:txBody>
-      </p:sp>
-      <p:sp>
-        <p:nvSpPr>
-          <p:cNvPr id="8" name="Slide Number Placeholder 7"/>
+              <a:t>CS4501: Information Retrieval</a:t>
+            </a:r>
+            <a:endParaRPr lang="en-US"/>
+          </a:p>
+        </p:txBody>
+      </p:sp>
+      <p:sp>
+        <p:nvSpPr>
+          <p:cNvPr id="6" name="Slide Number Placeholder 5"/>
           <p:cNvSpPr>
             <a:spLocks noGrp="1"/>
           </p:cNvSpPr>
@@ -5843,10 +6943,51 @@
           </a:p>
         </p:txBody>
       </p:sp>
+      <p:pic>
+        <p:nvPicPr>
+          <p:cNvPr id="2054" name="Picture 6" descr="https://mathsimulationtechnology.files.wordpress.com/2012/02/sleepingstudents.jpg"/>
+          <p:cNvPicPr>
+            <a:picLocks noChangeAspect="1" noChangeArrowheads="1"/>
+          </p:cNvPicPr>
+          <p:nvPr/>
+        </p:nvPicPr>
+        <p:blipFill>
+          <a:blip r:embed="rId3" cstate="print">
+            <a:extLst>
+              <a:ext uri="{28A0092B-C50C-407E-A947-70E740481C1C}">
+                <a14:useLocalDpi xmlns:a14="http://schemas.microsoft.com/office/drawing/2010/main" val="0"/>
+              </a:ext>
+            </a:extLst>
+          </a:blip>
+          <a:srcRect/>
+          <a:stretch>
+            <a:fillRect/>
+          </a:stretch>
+        </p:blipFill>
+        <p:spPr bwMode="auto">
+          <a:xfrm>
+            <a:off x="2760134" y="3886200"/>
+            <a:ext cx="3318933" cy="2489200"/>
+          </a:xfrm>
+          <a:prstGeom prst="rect">
+            <a:avLst/>
+          </a:prstGeom>
+          <a:noFill/>
+          <a:extLst>
+            <a:ext uri="{909E8E84-426E-40DD-AFC4-6F175D3DCCD1}">
+              <a14:hiddenFill xmlns:a14="http://schemas.microsoft.com/office/drawing/2010/main">
+                <a:solidFill>
+                  <a:srgbClr val="FFFFFF"/>
+                </a:solidFill>
+              </a14:hiddenFill>
+            </a:ext>
+          </a:extLst>
+        </p:spPr>
+      </p:pic>
     </p:spTree>
     <p:extLst>
       <p:ext uri="{BB962C8B-B14F-4D97-AF65-F5344CB8AC3E}">
-        <p14:creationId xmlns:p14="http://schemas.microsoft.com/office/powerpoint/2010/main" val="3745411287"/>
+        <p14:creationId xmlns:p14="http://schemas.microsoft.com/office/powerpoint/2010/main" val="1612953156"/>
       </p:ext>
     </p:extLst>
   </p:cSld>
@@ -5856,7 +6997,147 @@
   <p:timing>
     <p:tnLst>
       <p:par>
-        <p:cTn id="1" dur="indefinite" restart="never" nodeType="tmRoot"/>
+        <p:cTn id="1" dur="indefinite" restart="never" nodeType="tmRoot">
+          <p:childTnLst>
+            <p:seq concurrent="1" nextAc="seek">
+              <p:cTn id="2" dur="indefinite" nodeType="mainSeq">
+                <p:childTnLst>
+                  <p:par>
+                    <p:cTn id="3" fill="hold">
+                      <p:stCondLst>
+                        <p:cond delay="indefinite"/>
+                      </p:stCondLst>
+                      <p:childTnLst>
+                        <p:par>
+                          <p:cTn id="4" fill="hold">
+                            <p:stCondLst>
+                              <p:cond delay="0"/>
+                            </p:stCondLst>
+                            <p:childTnLst>
+                              <p:par>
+                                <p:cTn id="5" presetID="1" presetClass="entr" presetSubtype="0" fill="hold" nodeType="clickEffect">
+                                  <p:stCondLst>
+                                    <p:cond delay="0"/>
+                                  </p:stCondLst>
+                                  <p:childTnLst>
+                                    <p:set>
+                                      <p:cBhvr>
+                                        <p:cTn id="6" dur="1" fill="hold">
+                                          <p:stCondLst>
+                                            <p:cond delay="0"/>
+                                          </p:stCondLst>
+                                        </p:cTn>
+                                        <p:tgtEl>
+                                          <p:spTgt spid="2054"/>
+                                        </p:tgtEl>
+                                        <p:attrNameLst>
+                                          <p:attrName>style.visibility</p:attrName>
+                                        </p:attrNameLst>
+                                      </p:cBhvr>
+                                      <p:to>
+                                        <p:strVal val="visible"/>
+                                      </p:to>
+                                    </p:set>
+                                  </p:childTnLst>
+                                </p:cTn>
+                              </p:par>
+                            </p:childTnLst>
+                          </p:cTn>
+                        </p:par>
+                      </p:childTnLst>
+                    </p:cTn>
+                  </p:par>
+                  <p:par>
+                    <p:cTn id="7" fill="hold">
+                      <p:stCondLst>
+                        <p:cond delay="indefinite"/>
+                      </p:stCondLst>
+                      <p:childTnLst>
+                        <p:par>
+                          <p:cTn id="8" fill="hold">
+                            <p:stCondLst>
+                              <p:cond delay="0"/>
+                            </p:stCondLst>
+                            <p:childTnLst>
+                              <p:par>
+                                <p:cTn id="9" presetID="1" presetClass="exit" presetSubtype="0" fill="hold" nodeType="clickEffect">
+                                  <p:stCondLst>
+                                    <p:cond delay="0"/>
+                                  </p:stCondLst>
+                                  <p:childTnLst>
+                                    <p:set>
+                                      <p:cBhvr>
+                                        <p:cTn id="10" dur="1" fill="hold">
+                                          <p:stCondLst>
+                                            <p:cond delay="0"/>
+                                          </p:stCondLst>
+                                        </p:cTn>
+                                        <p:tgtEl>
+                                          <p:spTgt spid="2054"/>
+                                        </p:tgtEl>
+                                        <p:attrNameLst>
+                                          <p:attrName>style.visibility</p:attrName>
+                                        </p:attrNameLst>
+                                      </p:cBhvr>
+                                      <p:to>
+                                        <p:strVal val="hidden"/>
+                                      </p:to>
+                                    </p:set>
+                                  </p:childTnLst>
+                                </p:cTn>
+                              </p:par>
+                              <p:par>
+                                <p:cTn id="11" presetID="1" presetClass="entr" presetSubtype="0" fill="hold" nodeType="withEffect">
+                                  <p:stCondLst>
+                                    <p:cond delay="0"/>
+                                  </p:stCondLst>
+                                  <p:childTnLst>
+                                    <p:set>
+                                      <p:cBhvr>
+                                        <p:cTn id="12" dur="1" fill="hold">
+                                          <p:stCondLst>
+                                            <p:cond delay="0"/>
+                                          </p:stCondLst>
+                                        </p:cTn>
+                                        <p:tgtEl>
+                                          <p:spTgt spid="2050"/>
+                                        </p:tgtEl>
+                                        <p:attrNameLst>
+                                          <p:attrName>style.visibility</p:attrName>
+                                        </p:attrNameLst>
+                                      </p:cBhvr>
+                                      <p:to>
+                                        <p:strVal val="visible"/>
+                                      </p:to>
+                                    </p:set>
+                                  </p:childTnLst>
+                                </p:cTn>
+                              </p:par>
+                            </p:childTnLst>
+                          </p:cTn>
+                        </p:par>
+                      </p:childTnLst>
+                    </p:cTn>
+                  </p:par>
+                </p:childTnLst>
+              </p:cTn>
+              <p:prevCondLst>
+                <p:cond evt="onPrev" delay="0">
+                  <p:tgtEl>
+                    <p:sldTgt/>
+                  </p:tgtEl>
+                </p:cond>
+              </p:prevCondLst>
+              <p:nextCondLst>
+                <p:cond evt="onNext" delay="0">
+                  <p:tgtEl>
+                    <p:sldTgt/>
+                  </p:tgtEl>
+                </p:cond>
+              </p:nextCondLst>
+            </p:seq>
+          </p:childTnLst>
+        </p:cTn>
       </p:par>
     </p:tnLst>
   </p:timing>
